--- a/Slides/Sharda_11e_full_accessible_ppt_09.pptx
+++ b/Slides/Sharda_11e_full_accessible_ppt_09.pptx
@@ -5,59 +5,55 @@
     <p:sldMasterId id="2147483648" r:id="rId1"/>
   </p:sldMasterIdLst>
   <p:notesMasterIdLst>
-    <p:notesMasterId r:id="rId49"/>
+    <p:notesMasterId r:id="rId45"/>
   </p:notesMasterIdLst>
   <p:handoutMasterIdLst>
-    <p:handoutMasterId r:id="rId50"/>
+    <p:handoutMasterId r:id="rId46"/>
   </p:handoutMasterIdLst>
   <p:sldIdLst>
     <p:sldId id="1074" r:id="rId2"/>
     <p:sldId id="1135" r:id="rId3"/>
     <p:sldId id="1168" r:id="rId4"/>
-    <p:sldId id="1167" r:id="rId5"/>
-    <p:sldId id="1224" r:id="rId6"/>
-    <p:sldId id="1225" r:id="rId7"/>
-    <p:sldId id="1171" r:id="rId8"/>
-    <p:sldId id="1172" r:id="rId9"/>
-    <p:sldId id="1174" r:id="rId10"/>
-    <p:sldId id="1175" r:id="rId11"/>
-    <p:sldId id="1226" r:id="rId12"/>
-    <p:sldId id="1178" r:id="rId13"/>
-    <p:sldId id="1179" r:id="rId14"/>
-    <p:sldId id="1180" r:id="rId15"/>
-    <p:sldId id="1227" r:id="rId16"/>
-    <p:sldId id="1182" r:id="rId17"/>
-    <p:sldId id="1183" r:id="rId18"/>
-    <p:sldId id="1184" r:id="rId19"/>
-    <p:sldId id="1186" r:id="rId20"/>
-    <p:sldId id="1187" r:id="rId21"/>
-    <p:sldId id="1188" r:id="rId22"/>
-    <p:sldId id="1189" r:id="rId23"/>
-    <p:sldId id="1190" r:id="rId24"/>
-    <p:sldId id="1191" r:id="rId25"/>
-    <p:sldId id="1192" r:id="rId26"/>
-    <p:sldId id="1228" r:id="rId27"/>
-    <p:sldId id="1195" r:id="rId28"/>
-    <p:sldId id="1196" r:id="rId29"/>
-    <p:sldId id="1197" r:id="rId30"/>
-    <p:sldId id="1229" r:id="rId31"/>
-    <p:sldId id="1199" r:id="rId32"/>
-    <p:sldId id="1201" r:id="rId33"/>
-    <p:sldId id="1202" r:id="rId34"/>
-    <p:sldId id="1203" r:id="rId35"/>
-    <p:sldId id="1204" r:id="rId36"/>
-    <p:sldId id="1205" r:id="rId37"/>
-    <p:sldId id="1230" r:id="rId38"/>
-    <p:sldId id="1209" r:id="rId39"/>
-    <p:sldId id="1231" r:id="rId40"/>
-    <p:sldId id="1212" r:id="rId41"/>
-    <p:sldId id="1232" r:id="rId42"/>
-    <p:sldId id="1214" r:id="rId43"/>
-    <p:sldId id="1217" r:id="rId44"/>
-    <p:sldId id="1218" r:id="rId45"/>
-    <p:sldId id="1219" r:id="rId46"/>
-    <p:sldId id="1223" r:id="rId47"/>
-    <p:sldId id="1165" r:id="rId48"/>
+    <p:sldId id="1172" r:id="rId5"/>
+    <p:sldId id="1174" r:id="rId6"/>
+    <p:sldId id="1175" r:id="rId7"/>
+    <p:sldId id="1226" r:id="rId8"/>
+    <p:sldId id="1178" r:id="rId9"/>
+    <p:sldId id="1179" r:id="rId10"/>
+    <p:sldId id="1180" r:id="rId11"/>
+    <p:sldId id="1227" r:id="rId12"/>
+    <p:sldId id="1182" r:id="rId13"/>
+    <p:sldId id="1183" r:id="rId14"/>
+    <p:sldId id="1184" r:id="rId15"/>
+    <p:sldId id="1186" r:id="rId16"/>
+    <p:sldId id="1187" r:id="rId17"/>
+    <p:sldId id="1188" r:id="rId18"/>
+    <p:sldId id="1189" r:id="rId19"/>
+    <p:sldId id="1190" r:id="rId20"/>
+    <p:sldId id="1191" r:id="rId21"/>
+    <p:sldId id="1192" r:id="rId22"/>
+    <p:sldId id="1228" r:id="rId23"/>
+    <p:sldId id="1195" r:id="rId24"/>
+    <p:sldId id="1196" r:id="rId25"/>
+    <p:sldId id="1197" r:id="rId26"/>
+    <p:sldId id="1229" r:id="rId27"/>
+    <p:sldId id="1199" r:id="rId28"/>
+    <p:sldId id="1201" r:id="rId29"/>
+    <p:sldId id="1202" r:id="rId30"/>
+    <p:sldId id="1203" r:id="rId31"/>
+    <p:sldId id="1204" r:id="rId32"/>
+    <p:sldId id="1205" r:id="rId33"/>
+    <p:sldId id="1230" r:id="rId34"/>
+    <p:sldId id="1209" r:id="rId35"/>
+    <p:sldId id="1231" r:id="rId36"/>
+    <p:sldId id="1212" r:id="rId37"/>
+    <p:sldId id="1232" r:id="rId38"/>
+    <p:sldId id="1214" r:id="rId39"/>
+    <p:sldId id="1217" r:id="rId40"/>
+    <p:sldId id="1218" r:id="rId41"/>
+    <p:sldId id="1219" r:id="rId42"/>
+    <p:sldId id="1223" r:id="rId43"/>
+    <p:sldId id="1165" r:id="rId44"/>
   </p:sldIdLst>
   <p:sldSz cx="9144000" cy="6858000" type="screen4x3"/>
   <p:notesSz cx="6858000" cy="9144000"/>
@@ -307,7 +303,7 @@
           <a:p>
             <a:fld id="{8D8D874E-E9D5-433B-A149-BDF6BFDD40A8}" type="datetimeFigureOut">
               <a:rPr lang="en-US" smtClean="0"/>
-              <a:t>11/29/21</a:t>
+              <a:t>12/20/21</a:t>
             </a:fld>
             <a:endParaRPr lang="en-US" dirty="0"/>
           </a:p>
@@ -472,7 +468,7 @@
           <a:p>
             <a:fld id="{EA051F04-9E25-42C3-8BC5-EC2E8469D95E}" type="datetimeFigureOut">
               <a:rPr lang="en-US" smtClean="0"/>
-              <a:t>11/29/21</a:t>
+              <a:t>12/20/21</a:t>
             </a:fld>
             <a:endParaRPr lang="en-US" dirty="0"/>
           </a:p>
@@ -4091,354 +4087,6 @@
 </p:notes>
 </file>
 
-<file path=ppt/notesSlides/notesSlide43.xml><?xml version="1.0" encoding="utf-8"?>
-<p:notes xmlns:a="http://schemas.openxmlformats.org/drawingml/2006/main" xmlns:r="http://schemas.openxmlformats.org/officeDocument/2006/relationships" xmlns:p="http://schemas.openxmlformats.org/presentationml/2006/main">
-  <p:cSld>
-    <p:spTree>
-      <p:nvGrpSpPr>
-        <p:cNvPr id="1" name=""/>
-        <p:cNvGrpSpPr/>
-        <p:nvPr/>
-      </p:nvGrpSpPr>
-      <p:grpSpPr>
-        <a:xfrm>
-          <a:off x="0" y="0"/>
-          <a:ext cx="0" cy="0"/>
-          <a:chOff x="0" y="0"/>
-          <a:chExt cx="0" cy="0"/>
-        </a:xfrm>
-      </p:grpSpPr>
-      <p:sp>
-        <p:nvSpPr>
-          <p:cNvPr id="2" name="Slide Image Placeholder 1"/>
-          <p:cNvSpPr>
-            <a:spLocks noGrp="1" noRot="1" noChangeAspect="1"/>
-          </p:cNvSpPr>
-          <p:nvPr>
-            <p:ph type="sldImg"/>
-          </p:nvPr>
-        </p:nvSpPr>
-        <p:spPr/>
-      </p:sp>
-      <p:sp>
-        <p:nvSpPr>
-          <p:cNvPr id="3" name="Notes Placeholder 2"/>
-          <p:cNvSpPr>
-            <a:spLocks noGrp="1"/>
-          </p:cNvSpPr>
-          <p:nvPr>
-            <p:ph type="body" idx="1"/>
-          </p:nvPr>
-        </p:nvSpPr>
-        <p:spPr/>
-        <p:txBody>
-          <a:bodyPr/>
-          <a:lstStyle/>
-          <a:p>
-            <a:pPr defTabSz="931774">
-              <a:defRPr/>
-            </a:pPr>
-            <a:endParaRPr lang="en-US" dirty="0"/>
-          </a:p>
-        </p:txBody>
-      </p:sp>
-      <p:sp>
-        <p:nvSpPr>
-          <p:cNvPr id="4" name="Slide Number Placeholder 3"/>
-          <p:cNvSpPr>
-            <a:spLocks noGrp="1"/>
-          </p:cNvSpPr>
-          <p:nvPr>
-            <p:ph type="sldNum" sz="quarter" idx="10"/>
-          </p:nvPr>
-        </p:nvSpPr>
-        <p:spPr/>
-        <p:txBody>
-          <a:bodyPr/>
-          <a:lstStyle/>
-          <a:p>
-            <a:fld id="{A73D6722-9B4D-4E29-B226-C325925A8118}" type="slidenum">
-              <a:rPr lang="en-US" smtClean="0"/>
-              <a:t>43</a:t>
-            </a:fld>
-            <a:endParaRPr lang="en-US" dirty="0"/>
-          </a:p>
-        </p:txBody>
-      </p:sp>
-    </p:spTree>
-    <p:extLst>
-      <p:ext uri="{BB962C8B-B14F-4D97-AF65-F5344CB8AC3E}">
-        <p14:creationId xmlns:p14="http://schemas.microsoft.com/office/powerpoint/2010/main" val="2124979669"/>
-      </p:ext>
-    </p:extLst>
-  </p:cSld>
-  <p:clrMapOvr>
-    <a:masterClrMapping/>
-  </p:clrMapOvr>
-</p:notes>
-</file>
-
-<file path=ppt/notesSlides/notesSlide44.xml><?xml version="1.0" encoding="utf-8"?>
-<p:notes xmlns:a="http://schemas.openxmlformats.org/drawingml/2006/main" xmlns:r="http://schemas.openxmlformats.org/officeDocument/2006/relationships" xmlns:p="http://schemas.openxmlformats.org/presentationml/2006/main">
-  <p:cSld>
-    <p:spTree>
-      <p:nvGrpSpPr>
-        <p:cNvPr id="1" name=""/>
-        <p:cNvGrpSpPr/>
-        <p:nvPr/>
-      </p:nvGrpSpPr>
-      <p:grpSpPr>
-        <a:xfrm>
-          <a:off x="0" y="0"/>
-          <a:ext cx="0" cy="0"/>
-          <a:chOff x="0" y="0"/>
-          <a:chExt cx="0" cy="0"/>
-        </a:xfrm>
-      </p:grpSpPr>
-      <p:sp>
-        <p:nvSpPr>
-          <p:cNvPr id="2" name="Slide Image Placeholder 1"/>
-          <p:cNvSpPr>
-            <a:spLocks noGrp="1" noRot="1" noChangeAspect="1"/>
-          </p:cNvSpPr>
-          <p:nvPr>
-            <p:ph type="sldImg"/>
-          </p:nvPr>
-        </p:nvSpPr>
-        <p:spPr/>
-      </p:sp>
-      <p:sp>
-        <p:nvSpPr>
-          <p:cNvPr id="3" name="Notes Placeholder 2"/>
-          <p:cNvSpPr>
-            <a:spLocks noGrp="1"/>
-          </p:cNvSpPr>
-          <p:nvPr>
-            <p:ph type="body" idx="1"/>
-          </p:nvPr>
-        </p:nvSpPr>
-        <p:spPr/>
-        <p:txBody>
-          <a:bodyPr/>
-          <a:lstStyle/>
-          <a:p>
-            <a:pPr defTabSz="931774">
-              <a:defRPr/>
-            </a:pPr>
-            <a:endParaRPr lang="en-US" dirty="0"/>
-          </a:p>
-        </p:txBody>
-      </p:sp>
-      <p:sp>
-        <p:nvSpPr>
-          <p:cNvPr id="4" name="Slide Number Placeholder 3"/>
-          <p:cNvSpPr>
-            <a:spLocks noGrp="1"/>
-          </p:cNvSpPr>
-          <p:nvPr>
-            <p:ph type="sldNum" sz="quarter" idx="10"/>
-          </p:nvPr>
-        </p:nvSpPr>
-        <p:spPr/>
-        <p:txBody>
-          <a:bodyPr/>
-          <a:lstStyle/>
-          <a:p>
-            <a:fld id="{A73D6722-9B4D-4E29-B226-C325925A8118}" type="slidenum">
-              <a:rPr lang="en-US" smtClean="0"/>
-              <a:t>44</a:t>
-            </a:fld>
-            <a:endParaRPr lang="en-US" dirty="0"/>
-          </a:p>
-        </p:txBody>
-      </p:sp>
-    </p:spTree>
-    <p:extLst>
-      <p:ext uri="{BB962C8B-B14F-4D97-AF65-F5344CB8AC3E}">
-        <p14:creationId xmlns:p14="http://schemas.microsoft.com/office/powerpoint/2010/main" val="2124979669"/>
-      </p:ext>
-    </p:extLst>
-  </p:cSld>
-  <p:clrMapOvr>
-    <a:masterClrMapping/>
-  </p:clrMapOvr>
-</p:notes>
-</file>
-
-<file path=ppt/notesSlides/notesSlide45.xml><?xml version="1.0" encoding="utf-8"?>
-<p:notes xmlns:a="http://schemas.openxmlformats.org/drawingml/2006/main" xmlns:r="http://schemas.openxmlformats.org/officeDocument/2006/relationships" xmlns:p="http://schemas.openxmlformats.org/presentationml/2006/main">
-  <p:cSld>
-    <p:spTree>
-      <p:nvGrpSpPr>
-        <p:cNvPr id="1" name=""/>
-        <p:cNvGrpSpPr/>
-        <p:nvPr/>
-      </p:nvGrpSpPr>
-      <p:grpSpPr>
-        <a:xfrm>
-          <a:off x="0" y="0"/>
-          <a:ext cx="0" cy="0"/>
-          <a:chOff x="0" y="0"/>
-          <a:chExt cx="0" cy="0"/>
-        </a:xfrm>
-      </p:grpSpPr>
-      <p:sp>
-        <p:nvSpPr>
-          <p:cNvPr id="2" name="Slide Image Placeholder 1"/>
-          <p:cNvSpPr>
-            <a:spLocks noGrp="1" noRot="1" noChangeAspect="1"/>
-          </p:cNvSpPr>
-          <p:nvPr>
-            <p:ph type="sldImg"/>
-          </p:nvPr>
-        </p:nvSpPr>
-        <p:spPr/>
-      </p:sp>
-      <p:sp>
-        <p:nvSpPr>
-          <p:cNvPr id="3" name="Notes Placeholder 2"/>
-          <p:cNvSpPr>
-            <a:spLocks noGrp="1"/>
-          </p:cNvSpPr>
-          <p:nvPr>
-            <p:ph type="body" idx="1"/>
-          </p:nvPr>
-        </p:nvSpPr>
-        <p:spPr/>
-        <p:txBody>
-          <a:bodyPr/>
-          <a:lstStyle/>
-          <a:p>
-            <a:pPr defTabSz="931774">
-              <a:defRPr/>
-            </a:pPr>
-            <a:endParaRPr lang="en-US" dirty="0"/>
-          </a:p>
-        </p:txBody>
-      </p:sp>
-      <p:sp>
-        <p:nvSpPr>
-          <p:cNvPr id="4" name="Slide Number Placeholder 3"/>
-          <p:cNvSpPr>
-            <a:spLocks noGrp="1"/>
-          </p:cNvSpPr>
-          <p:nvPr>
-            <p:ph type="sldNum" sz="quarter" idx="10"/>
-          </p:nvPr>
-        </p:nvSpPr>
-        <p:spPr/>
-        <p:txBody>
-          <a:bodyPr/>
-          <a:lstStyle/>
-          <a:p>
-            <a:fld id="{A73D6722-9B4D-4E29-B226-C325925A8118}" type="slidenum">
-              <a:rPr lang="en-US" smtClean="0"/>
-              <a:t>45</a:t>
-            </a:fld>
-            <a:endParaRPr lang="en-US" dirty="0"/>
-          </a:p>
-        </p:txBody>
-      </p:sp>
-    </p:spTree>
-    <p:extLst>
-      <p:ext uri="{BB962C8B-B14F-4D97-AF65-F5344CB8AC3E}">
-        <p14:creationId xmlns:p14="http://schemas.microsoft.com/office/powerpoint/2010/main" val="2124979669"/>
-      </p:ext>
-    </p:extLst>
-  </p:cSld>
-  <p:clrMapOvr>
-    <a:masterClrMapping/>
-  </p:clrMapOvr>
-</p:notes>
-</file>
-
-<file path=ppt/notesSlides/notesSlide46.xml><?xml version="1.0" encoding="utf-8"?>
-<p:notes xmlns:a="http://schemas.openxmlformats.org/drawingml/2006/main" xmlns:r="http://schemas.openxmlformats.org/officeDocument/2006/relationships" xmlns:p="http://schemas.openxmlformats.org/presentationml/2006/main">
-  <p:cSld>
-    <p:spTree>
-      <p:nvGrpSpPr>
-        <p:cNvPr id="1" name=""/>
-        <p:cNvGrpSpPr/>
-        <p:nvPr/>
-      </p:nvGrpSpPr>
-      <p:grpSpPr>
-        <a:xfrm>
-          <a:off x="0" y="0"/>
-          <a:ext cx="0" cy="0"/>
-          <a:chOff x="0" y="0"/>
-          <a:chExt cx="0" cy="0"/>
-        </a:xfrm>
-      </p:grpSpPr>
-      <p:sp>
-        <p:nvSpPr>
-          <p:cNvPr id="2" name="Slide Image Placeholder 1"/>
-          <p:cNvSpPr>
-            <a:spLocks noGrp="1" noRot="1" noChangeAspect="1"/>
-          </p:cNvSpPr>
-          <p:nvPr>
-            <p:ph type="sldImg"/>
-          </p:nvPr>
-        </p:nvSpPr>
-        <p:spPr/>
-      </p:sp>
-      <p:sp>
-        <p:nvSpPr>
-          <p:cNvPr id="3" name="Notes Placeholder 2"/>
-          <p:cNvSpPr>
-            <a:spLocks noGrp="1"/>
-          </p:cNvSpPr>
-          <p:nvPr>
-            <p:ph type="body" idx="1"/>
-          </p:nvPr>
-        </p:nvSpPr>
-        <p:spPr/>
-        <p:txBody>
-          <a:bodyPr/>
-          <a:lstStyle/>
-          <a:p>
-            <a:pPr defTabSz="931774">
-              <a:defRPr/>
-            </a:pPr>
-            <a:endParaRPr lang="en-US" dirty="0"/>
-          </a:p>
-        </p:txBody>
-      </p:sp>
-      <p:sp>
-        <p:nvSpPr>
-          <p:cNvPr id="4" name="Slide Number Placeholder 3"/>
-          <p:cNvSpPr>
-            <a:spLocks noGrp="1"/>
-          </p:cNvSpPr>
-          <p:nvPr>
-            <p:ph type="sldNum" sz="quarter" idx="10"/>
-          </p:nvPr>
-        </p:nvSpPr>
-        <p:spPr/>
-        <p:txBody>
-          <a:bodyPr/>
-          <a:lstStyle/>
-          <a:p>
-            <a:fld id="{A73D6722-9B4D-4E29-B226-C325925A8118}" type="slidenum">
-              <a:rPr lang="en-US" smtClean="0"/>
-              <a:t>46</a:t>
-            </a:fld>
-            <a:endParaRPr lang="en-US" dirty="0"/>
-          </a:p>
-        </p:txBody>
-      </p:sp>
-    </p:spTree>
-    <p:extLst>
-      <p:ext uri="{BB962C8B-B14F-4D97-AF65-F5344CB8AC3E}">
-        <p14:creationId xmlns:p14="http://schemas.microsoft.com/office/powerpoint/2010/main" val="2124979669"/>
-      </p:ext>
-    </p:extLst>
-  </p:cSld>
-  <p:clrMapOvr>
-    <a:masterClrMapping/>
-  </p:clrMapOvr>
-</p:notes>
-</file>
-
 <file path=ppt/notesSlides/notesSlide5.xml><?xml version="1.0" encoding="utf-8"?>
 <p:notes xmlns:a="http://schemas.openxmlformats.org/drawingml/2006/main" xmlns:r="http://schemas.openxmlformats.org/officeDocument/2006/relationships" xmlns:p="http://schemas.openxmlformats.org/presentationml/2006/main">
   <p:cSld>
@@ -5138,7 +4786,7 @@
           <a:p>
             <a:fld id="{A9DF6EFB-3F44-496C-A842-1E0B3D3B975A}" type="datetimeFigureOut">
               <a:rPr lang="en-US" smtClean="0"/>
-              <a:t>11/29/21</a:t>
+              <a:t>12/20/21</a:t>
             </a:fld>
             <a:endParaRPr lang="en-US" dirty="0"/>
           </a:p>
@@ -5506,7 +5154,7 @@
           <a:p>
             <a:fld id="{A9DF6EFB-3F44-496C-A842-1E0B3D3B975A}" type="datetimeFigureOut">
               <a:rPr lang="en-US" smtClean="0"/>
-              <a:t>11/29/21</a:t>
+              <a:t>12/20/21</a:t>
             </a:fld>
             <a:endParaRPr lang="en-US" dirty="0"/>
           </a:p>
@@ -5853,7 +5501,7 @@
           <a:p>
             <a:fld id="{A9DF6EFB-3F44-496C-A842-1E0B3D3B975A}" type="datetimeFigureOut">
               <a:rPr lang="en-US" smtClean="0"/>
-              <a:t>11/29/21</a:t>
+              <a:t>12/20/21</a:t>
             </a:fld>
             <a:endParaRPr lang="en-US" dirty="0"/>
           </a:p>
@@ -6196,7 +5844,7 @@
           <a:p>
             <a:fld id="{A9DF6EFB-3F44-496C-A842-1E0B3D3B975A}" type="datetimeFigureOut">
               <a:rPr lang="en-US" smtClean="0"/>
-              <a:t>11/29/21</a:t>
+              <a:t>12/20/21</a:t>
             </a:fld>
             <a:endParaRPr lang="en-US" dirty="0"/>
           </a:p>
@@ -6318,7 +5966,7 @@
           <a:p>
             <a:fld id="{A9DF6EFB-3F44-496C-A842-1E0B3D3B975A}" type="datetimeFigureOut">
               <a:rPr lang="en-US" smtClean="0"/>
-              <a:t>11/29/21</a:t>
+              <a:t>12/20/21</a:t>
             </a:fld>
             <a:endParaRPr lang="en-US" dirty="0"/>
           </a:p>
@@ -6427,7 +6075,7 @@
             <a:fld id="{A9DF6EFB-3F44-496C-A842-1E0B3D3B975A}" type="datetimeFigureOut">
               <a:rPr lang="en-US" smtClean="0"/>
               <a:pPr/>
-              <a:t>11/29/21</a:t>
+              <a:t>12/20/21</a:t>
             </a:fld>
             <a:endParaRPr lang="en-US" dirty="0"/>
           </a:p>
@@ -7423,7 +7071,7 @@
             <a:fld id="{A9DF6EFB-3F44-496C-A842-1E0B3D3B975A}" type="datetimeFigureOut">
               <a:rPr lang="en-US" smtClean="0"/>
               <a:pPr/>
-              <a:t>11/29/21</a:t>
+              <a:t>12/20/21</a:t>
             </a:fld>
             <a:endParaRPr lang="en-US" dirty="0"/>
           </a:p>
@@ -7812,7 +7460,7 @@
             <a:fld id="{A9DF6EFB-3F44-496C-A842-1E0B3D3B975A}" type="datetimeFigureOut">
               <a:rPr lang="en-US" smtClean="0"/>
               <a:pPr/>
-              <a:t>11/29/21</a:t>
+              <a:t>12/20/21</a:t>
             </a:fld>
             <a:endParaRPr lang="en-US" dirty="0"/>
           </a:p>
@@ -8082,7 +7730,7 @@
             <a:fld id="{A9DF6EFB-3F44-496C-A842-1E0B3D3B975A}" type="datetimeFigureOut">
               <a:rPr lang="en-US" smtClean="0"/>
               <a:pPr/>
-              <a:t>11/29/21</a:t>
+              <a:t>12/20/21</a:t>
             </a:fld>
             <a:endParaRPr lang="en-US" dirty="0"/>
           </a:p>
@@ -8345,7 +7993,7 @@
           <a:p>
             <a:fld id="{A9DF6EFB-3F44-496C-A842-1E0B3D3B975A}" type="datetimeFigureOut">
               <a:rPr lang="en-US" smtClean="0"/>
-              <a:t>11/29/21</a:t>
+              <a:t>12/20/21</a:t>
             </a:fld>
             <a:endParaRPr lang="en-US" dirty="0"/>
           </a:p>
@@ -8581,7 +8229,7 @@
             <a:fld id="{A9DF6EFB-3F44-496C-A842-1E0B3D3B975A}" type="datetimeFigureOut">
               <a:rPr lang="en-US" smtClean="0"/>
               <a:pPr/>
-              <a:t>11/29/21</a:t>
+              <a:t>12/20/21</a:t>
             </a:fld>
             <a:endParaRPr lang="en-US" dirty="0"/>
           </a:p>
@@ -8958,7 +8606,7 @@
           <a:p>
             <a:fld id="{A9DF6EFB-3F44-496C-A842-1E0B3D3B975A}" type="datetimeFigureOut">
               <a:rPr lang="en-US" smtClean="0"/>
-              <a:t>11/29/21</a:t>
+              <a:t>12/20/21</a:t>
             </a:fld>
             <a:endParaRPr lang="en-US" dirty="0"/>
           </a:p>
@@ -9584,7 +9232,7 @@
           <a:p>
             <a:fld id="{A9DF6EFB-3F44-496C-A842-1E0B3D3B975A}" type="datetimeFigureOut">
               <a:rPr lang="en-US" smtClean="0"/>
-              <a:t>11/29/21</a:t>
+              <a:t>12/20/21</a:t>
             </a:fld>
             <a:endParaRPr lang="en-US" dirty="0"/>
           </a:p>
@@ -10714,7 +10362,7 @@
           <a:p>
             <a:fld id="{A9DF6EFB-3F44-496C-A842-1E0B3D3B975A}" type="datetimeFigureOut">
               <a:rPr lang="en-US" smtClean="0"/>
-              <a:t>11/29/21</a:t>
+              <a:t>12/20/21</a:t>
             </a:fld>
             <a:endParaRPr lang="en-US" dirty="0"/>
           </a:p>
@@ -10975,7 +10623,7 @@
             <a:fld id="{A9DF6EFB-3F44-496C-A842-1E0B3D3B975A}" type="datetimeFigureOut">
               <a:rPr lang="en-US" smtClean="0"/>
               <a:pPr/>
-              <a:t>11/29/21</a:t>
+              <a:t>12/20/21</a:t>
             </a:fld>
             <a:endParaRPr lang="en-US" dirty="0"/>
           </a:p>
@@ -11731,695 +11379,6 @@
         </p:nvSpPr>
         <p:spPr>
           <a:xfrm>
-            <a:off x="457200" y="70592"/>
-            <a:ext cx="8153400" cy="984885"/>
-          </a:xfrm>
-        </p:spPr>
-        <p:txBody>
-          <a:bodyPr wrap="square">
-            <a:spAutoFit/>
-          </a:bodyPr>
-          <a:lstStyle/>
-          <a:p>
-            <a:r>
-              <a:rPr lang="en-IN" sz="3600" dirty="0">
-                <a:latin typeface="+mj-lt"/>
-              </a:rPr>
-              <a:t>Big Data - Definition and Concepts    </a:t>
-            </a:r>
-            <a:r>
-              <a:rPr lang="en-IN" sz="2800" dirty="0">
-                <a:latin typeface="+mj-lt"/>
-              </a:rPr>
-              <a:t>(2 of 2)</a:t>
-            </a:r>
-            <a:endParaRPr lang="en-US" sz="3600" dirty="0">
-              <a:latin typeface="+mj-lt"/>
-            </a:endParaRPr>
-          </a:p>
-        </p:txBody>
-      </p:sp>
-      <p:sp>
-        <p:nvSpPr>
-          <p:cNvPr id="6" name="Content Placeholder 5"/>
-          <p:cNvSpPr>
-            <a:spLocks noGrp="1"/>
-          </p:cNvSpPr>
-          <p:nvPr>
-            <p:ph idx="13"/>
-          </p:nvPr>
-        </p:nvSpPr>
-        <p:spPr>
-          <a:xfrm>
-            <a:off x="457200" y="1371600"/>
-            <a:ext cx="8153400" cy="4616648"/>
-          </a:xfrm>
-        </p:spPr>
-        <p:txBody>
-          <a:bodyPr wrap="square">
-            <a:spAutoFit/>
-          </a:bodyPr>
-          <a:lstStyle/>
-          <a:p>
-            <a:r>
-              <a:rPr lang="en-US" sz="2400" dirty="0"/>
-              <a:t>Big Data is a misnomer!</a:t>
-            </a:r>
-          </a:p>
-          <a:p>
-            <a:r>
-              <a:rPr lang="en-US" sz="2400" dirty="0"/>
-              <a:t>Big Data is more than just “big”</a:t>
-            </a:r>
-          </a:p>
-          <a:p>
-            <a:r>
-              <a:rPr lang="en-US" sz="2400" dirty="0"/>
-              <a:t>The </a:t>
-            </a:r>
-            <a:r>
-              <a:rPr lang="en-US" sz="2400" dirty="0" err="1"/>
-              <a:t>Vs</a:t>
-            </a:r>
-            <a:r>
-              <a:rPr lang="en-US" sz="2400" dirty="0"/>
-              <a:t> that define Big Data</a:t>
-            </a:r>
-          </a:p>
-          <a:p>
-            <a:pPr lvl="1">
-              <a:defRPr/>
-            </a:pPr>
-            <a:r>
-              <a:rPr lang="en-US" sz="2400" dirty="0">
-                <a:solidFill>
-                  <a:schemeClr val="bg2"/>
-                </a:solidFill>
-                <a:ea typeface="ヒラギノ角ゴ Pro W3" pitchFamily="-65" charset="-128"/>
-              </a:rPr>
-              <a:t>Volume</a:t>
-            </a:r>
-          </a:p>
-          <a:p>
-            <a:pPr lvl="1">
-              <a:defRPr/>
-            </a:pPr>
-            <a:r>
-              <a:rPr lang="en-US" sz="2400" dirty="0">
-                <a:solidFill>
-                  <a:schemeClr val="bg2"/>
-                </a:solidFill>
-                <a:ea typeface="ヒラギノ角ゴ Pro W3" pitchFamily="-65" charset="-128"/>
-              </a:rPr>
-              <a:t>Variety</a:t>
-            </a:r>
-          </a:p>
-          <a:p>
-            <a:pPr lvl="1">
-              <a:defRPr/>
-            </a:pPr>
-            <a:r>
-              <a:rPr lang="en-US" sz="2400" dirty="0">
-                <a:solidFill>
-                  <a:schemeClr val="bg2"/>
-                </a:solidFill>
-                <a:ea typeface="ヒラギノ角ゴ Pro W3" pitchFamily="-65" charset="-128"/>
-              </a:rPr>
-              <a:t>Velocity</a:t>
-            </a:r>
-          </a:p>
-          <a:p>
-            <a:pPr lvl="1">
-              <a:defRPr/>
-            </a:pPr>
-            <a:r>
-              <a:rPr lang="en-US" sz="2400" dirty="0">
-                <a:ea typeface="ヒラギノ角ゴ Pro W3" pitchFamily="-65" charset="-128"/>
-              </a:rPr>
-              <a:t>Veracity</a:t>
-            </a:r>
-          </a:p>
-          <a:p>
-            <a:pPr lvl="1">
-              <a:defRPr/>
-            </a:pPr>
-            <a:r>
-              <a:rPr lang="en-US" sz="2400" dirty="0">
-                <a:ea typeface="ヒラギノ角ゴ Pro W3" pitchFamily="-65" charset="-128"/>
-              </a:rPr>
-              <a:t>Variability</a:t>
-            </a:r>
-          </a:p>
-          <a:p>
-            <a:pPr lvl="1">
-              <a:defRPr/>
-            </a:pPr>
-            <a:r>
-              <a:rPr lang="en-US" sz="2400" dirty="0">
-                <a:ea typeface="ヒラギノ角ゴ Pro W3" pitchFamily="-65" charset="-128"/>
-              </a:rPr>
-              <a:t>Value</a:t>
-            </a:r>
-          </a:p>
-          <a:p>
-            <a:pPr lvl="1">
-              <a:defRPr/>
-            </a:pPr>
-            <a:r>
-              <a:rPr lang="en-US" sz="2400" dirty="0">
-                <a:ea typeface="ヒラギノ角ゴ Pro W3" pitchFamily="-65" charset="-128"/>
-              </a:rPr>
-              <a:t>…</a:t>
-            </a:r>
-          </a:p>
-        </p:txBody>
-      </p:sp>
-    </p:spTree>
-    <p:extLst>
-      <p:ext uri="{BB962C8B-B14F-4D97-AF65-F5344CB8AC3E}">
-        <p14:creationId xmlns:p14="http://schemas.microsoft.com/office/powerpoint/2010/main" val="1852689483"/>
-      </p:ext>
-    </p:extLst>
-  </p:cSld>
-  <p:clrMapOvr>
-    <a:masterClrMapping/>
-  </p:clrMapOvr>
-</p:sld>
-</file>
-
-<file path=ppt/slides/slide11.xml><?xml version="1.0" encoding="utf-8"?>
-<p:sld xmlns:a="http://schemas.openxmlformats.org/drawingml/2006/main" xmlns:r="http://schemas.openxmlformats.org/officeDocument/2006/relationships" xmlns:p="http://schemas.openxmlformats.org/presentationml/2006/main">
-  <p:cSld>
-    <p:spTree>
-      <p:nvGrpSpPr>
-        <p:cNvPr id="1" name=""/>
-        <p:cNvGrpSpPr/>
-        <p:nvPr/>
-      </p:nvGrpSpPr>
-      <p:grpSpPr>
-        <a:xfrm>
-          <a:off x="0" y="0"/>
-          <a:ext cx="0" cy="0"/>
-          <a:chOff x="0" y="0"/>
-          <a:chExt cx="0" cy="0"/>
-        </a:xfrm>
-      </p:grpSpPr>
-      <p:sp>
-        <p:nvSpPr>
-          <p:cNvPr id="2" name="Title 1"/>
-          <p:cNvSpPr>
-            <a:spLocks noGrp="1"/>
-          </p:cNvSpPr>
-          <p:nvPr>
-            <p:ph type="title"/>
-          </p:nvPr>
-        </p:nvSpPr>
-        <p:spPr>
-          <a:xfrm>
-            <a:off x="457200" y="57150"/>
-            <a:ext cx="8153400" cy="1661993"/>
-          </a:xfrm>
-        </p:spPr>
-        <p:txBody>
-          <a:bodyPr wrap="square">
-            <a:spAutoFit/>
-          </a:bodyPr>
-          <a:lstStyle/>
-          <a:p>
-            <a:r>
-              <a:rPr lang="en-IN" sz="3600" dirty="0">
-                <a:latin typeface="+mj-lt"/>
-              </a:rPr>
-              <a:t>A High-Level Conceptual Architecture for Big Data Solutions (by </a:t>
-            </a:r>
-            <a:r>
-              <a:rPr lang="en-IN" sz="3600" dirty="0" err="1">
-                <a:latin typeface="+mj-lt"/>
-              </a:rPr>
-              <a:t>AsterData</a:t>
-            </a:r>
-            <a:r>
-              <a:rPr lang="en-IN" sz="3600" dirty="0">
-                <a:latin typeface="+mj-lt"/>
-              </a:rPr>
-              <a:t> / Teradata)</a:t>
-            </a:r>
-            <a:endParaRPr lang="en-US" sz="3600" dirty="0">
-              <a:latin typeface="+mj-lt"/>
-            </a:endParaRPr>
-          </a:p>
-        </p:txBody>
-      </p:sp>
-      <p:sp>
-        <p:nvSpPr>
-          <p:cNvPr id="6" name="Content Placeholder 5"/>
-          <p:cNvSpPr>
-            <a:spLocks noGrp="1"/>
-          </p:cNvSpPr>
-          <p:nvPr>
-            <p:ph idx="13"/>
-          </p:nvPr>
-        </p:nvSpPr>
-        <p:spPr>
-          <a:xfrm>
-            <a:off x="457200" y="1828800"/>
-            <a:ext cx="8153400" cy="246221"/>
-          </a:xfrm>
-        </p:spPr>
-        <p:txBody>
-          <a:bodyPr wrap="square">
-            <a:spAutoFit/>
-          </a:bodyPr>
-          <a:lstStyle/>
-          <a:p>
-            <a:pPr marL="0" indent="0">
-              <a:buNone/>
-            </a:pPr>
-            <a:r>
-              <a:rPr lang="en-IN" b="1" dirty="0"/>
-              <a:t>Figure 9.3</a:t>
-            </a:r>
-            <a:r>
-              <a:rPr lang="en-IN" dirty="0"/>
-              <a:t> A High-Level Conceptual Architecture for Big Data Solutions.</a:t>
-            </a:r>
-          </a:p>
-        </p:txBody>
-      </p:sp>
-      <p:pic>
-        <p:nvPicPr>
-          <p:cNvPr id="7" name="Picture 2" descr="• A box at the top contains these words in a row from left to right: Move, Manage, Access. &#10;• A column on the left lists the sources as follows: &#10;• E R P&#10;• S C M&#10;• C R M&#10;• Images&#10;• Audio and Video&#10;• Machine Logs&#10;• Text&#10;• Web and Social&#10;• Arrows to the right lead to the middle section made up of 3 interconnected boxes. &#10;• A blue box titled Data Platform lists the following terms: &#10;• Fast Data Loading &amp; Availability&#10;• Filtering &amp; Processing&#10;• Data Management (data lake)&#10;• Deep History: Online Archival&#10;• A green box titled Integrated Data Warehouse lists the following terms:&#10;• Business Intelligence&#10;• Predictive Analytics&#10;• Operational Intelligence&#10;• A pink box titled Integrated Discovery Platform lists the following terms:&#10;• Data Discovery&#10;• Fast-Fail Hypothesis Testing&#10;• Path, Graph, Time-Series Analysis&#10;• Pattern Detection&#10;• Arrows to the right lead to a column that lists the analytic tools and apps as follows:&#10;• Marketing&#10;• Applications&#10;• Business Intelligence&#10;• Data Mining&#10;• Math and Stats&#10;• Languages&#10;• The column on the extreme right lists the users as follows:&#10;• Marketing Executives&#10;• Operational Systems&#10;• Customers Partners&#10;• Frontline Workers&#10;• Business Analysts&#10;• Data Scientists&#10;• Engineers"/>
-          <p:cNvPicPr>
-            <a:picLocks noChangeAspect="1" noChangeArrowheads="1"/>
-          </p:cNvPicPr>
-          <p:nvPr/>
-        </p:nvPicPr>
-        <p:blipFill rotWithShape="1">
-          <a:blip r:embed="rId3">
-            <a:extLst>
-              <a:ext uri="{28A0092B-C50C-407E-A947-70E740481C1C}">
-                <a14:useLocalDpi xmlns:a14="http://schemas.microsoft.com/office/drawing/2010/main" val="0"/>
-              </a:ext>
-            </a:extLst>
-          </a:blip>
-          <a:srcRect b="3513"/>
-          <a:stretch/>
-        </p:blipFill>
-        <p:spPr bwMode="auto">
-          <a:xfrm>
-            <a:off x="1742841" y="2142925"/>
-            <a:ext cx="5642731" cy="3854760"/>
-          </a:xfrm>
-          <a:prstGeom prst="rect">
-            <a:avLst/>
-          </a:prstGeom>
-          <a:noFill/>
-          <a:extLst>
-            <a:ext uri="{909E8E84-426E-40DD-AFC4-6F175D3DCCD1}">
-              <a14:hiddenFill xmlns:a14="http://schemas.microsoft.com/office/drawing/2010/main">
-                <a:solidFill>
-                  <a:srgbClr val="FFFFFF"/>
-                </a:solidFill>
-              </a14:hiddenFill>
-            </a:ext>
-          </a:extLst>
-        </p:spPr>
-      </p:pic>
-      <p:sp>
-        <p:nvSpPr>
-          <p:cNvPr id="4" name="Content Placeholder 3"/>
-          <p:cNvSpPr>
-            <a:spLocks noGrp="1"/>
-          </p:cNvSpPr>
-          <p:nvPr>
-            <p:ph idx="14"/>
-          </p:nvPr>
-        </p:nvSpPr>
-        <p:spPr>
-          <a:xfrm>
-            <a:off x="457200" y="6067425"/>
-            <a:ext cx="8153400" cy="246221"/>
-          </a:xfrm>
-        </p:spPr>
-        <p:txBody>
-          <a:bodyPr wrap="square">
-            <a:spAutoFit/>
-          </a:bodyPr>
-          <a:lstStyle/>
-          <a:p>
-            <a:pPr marL="0" indent="0">
-              <a:buNone/>
-            </a:pPr>
-            <a:r>
-              <a:rPr lang="en-IN" i="1" dirty="0"/>
-              <a:t>Source: </a:t>
-            </a:r>
-            <a:r>
-              <a:rPr lang="en-IN" dirty="0"/>
-              <a:t>Teradata Company.</a:t>
-            </a:r>
-          </a:p>
-        </p:txBody>
-      </p:sp>
-    </p:spTree>
-    <p:extLst>
-      <p:ext uri="{BB962C8B-B14F-4D97-AF65-F5344CB8AC3E}">
-        <p14:creationId xmlns:p14="http://schemas.microsoft.com/office/powerpoint/2010/main" val="11436757"/>
-      </p:ext>
-    </p:extLst>
-  </p:cSld>
-  <p:clrMapOvr>
-    <a:masterClrMapping/>
-  </p:clrMapOvr>
-</p:sld>
-</file>
-
-<file path=ppt/slides/slide12.xml><?xml version="1.0" encoding="utf-8"?>
-<p:sld xmlns:a="http://schemas.openxmlformats.org/drawingml/2006/main" xmlns:r="http://schemas.openxmlformats.org/officeDocument/2006/relationships" xmlns:p="http://schemas.openxmlformats.org/presentationml/2006/main">
-  <p:cSld>
-    <p:spTree>
-      <p:nvGrpSpPr>
-        <p:cNvPr id="1" name=""/>
-        <p:cNvGrpSpPr/>
-        <p:nvPr/>
-      </p:nvGrpSpPr>
-      <p:grpSpPr>
-        <a:xfrm>
-          <a:off x="0" y="0"/>
-          <a:ext cx="0" cy="0"/>
-          <a:chOff x="0" y="0"/>
-          <a:chExt cx="0" cy="0"/>
-        </a:xfrm>
-      </p:grpSpPr>
-      <p:sp>
-        <p:nvSpPr>
-          <p:cNvPr id="2" name="Title 1"/>
-          <p:cNvSpPr>
-            <a:spLocks noGrp="1"/>
-          </p:cNvSpPr>
-          <p:nvPr>
-            <p:ph type="title"/>
-          </p:nvPr>
-        </p:nvSpPr>
-        <p:spPr>
-          <a:xfrm>
-            <a:off x="457200" y="72854"/>
-            <a:ext cx="8153400" cy="553998"/>
-          </a:xfrm>
-        </p:spPr>
-        <p:txBody>
-          <a:bodyPr wrap="square">
-            <a:spAutoFit/>
-          </a:bodyPr>
-          <a:lstStyle/>
-          <a:p>
-            <a:r>
-              <a:rPr lang="en-IN" sz="3600" dirty="0">
-                <a:latin typeface="+mj-lt"/>
-              </a:rPr>
-              <a:t>Fundamentals of Big Data Analytics</a:t>
-            </a:r>
-            <a:endParaRPr lang="en-US" sz="3600" dirty="0">
-              <a:latin typeface="+mj-lt"/>
-            </a:endParaRPr>
-          </a:p>
-        </p:txBody>
-      </p:sp>
-      <p:sp>
-        <p:nvSpPr>
-          <p:cNvPr id="6" name="Content Placeholder 5"/>
-          <p:cNvSpPr>
-            <a:spLocks noGrp="1"/>
-          </p:cNvSpPr>
-          <p:nvPr>
-            <p:ph idx="13"/>
-          </p:nvPr>
-        </p:nvSpPr>
-        <p:spPr>
-          <a:xfrm>
-            <a:off x="447675" y="985629"/>
-            <a:ext cx="8162925" cy="3862596"/>
-          </a:xfrm>
-        </p:spPr>
-        <p:txBody>
-          <a:bodyPr wrap="square">
-            <a:spAutoFit/>
-          </a:bodyPr>
-          <a:lstStyle/>
-          <a:p>
-            <a:pPr>
-              <a:buSzPct val="100000"/>
-            </a:pPr>
-            <a:r>
-              <a:rPr lang="en-US" sz="2400" dirty="0"/>
-              <a:t>Big Data by itself, regardless of the size, type, or speed, is worthless</a:t>
-            </a:r>
-          </a:p>
-          <a:p>
-            <a:pPr>
-              <a:buSzPct val="100000"/>
-            </a:pPr>
-            <a:r>
-              <a:rPr lang="en-US" sz="2400" dirty="0"/>
-              <a:t>Big Data + “big” analytics = value</a:t>
-            </a:r>
-          </a:p>
-          <a:p>
-            <a:pPr>
-              <a:buSzPct val="100000"/>
-            </a:pPr>
-            <a:r>
-              <a:rPr lang="en-US" sz="2400" dirty="0"/>
-              <a:t>With the value proposition, Big Data also brought about big challenges</a:t>
-            </a:r>
-          </a:p>
-          <a:p>
-            <a:pPr lvl="1">
-              <a:defRPr/>
-            </a:pPr>
-            <a:r>
-              <a:rPr lang="en-US" sz="2400" dirty="0">
-                <a:ea typeface="ヒラギノ角ゴ Pro W3" pitchFamily="-65" charset="-128"/>
-              </a:rPr>
-              <a:t>Effectively and efficiently capturing, storing, and analyzing Big Data</a:t>
-            </a:r>
-          </a:p>
-          <a:p>
-            <a:pPr lvl="1">
-              <a:defRPr/>
-            </a:pPr>
-            <a:r>
-              <a:rPr lang="en-US" sz="2400" dirty="0">
-                <a:ea typeface="ヒラギノ角ゴ Pro W3" pitchFamily="-65" charset="-128"/>
-              </a:rPr>
-              <a:t>New breed of technologies needed (developed or purchased </a:t>
-            </a:r>
-            <a:r>
-              <a:rPr lang="en-US" sz="2400" dirty="0"/>
-              <a:t>or hired or outsourced …)</a:t>
-            </a:r>
-          </a:p>
-        </p:txBody>
-      </p:sp>
-    </p:spTree>
-    <p:extLst>
-      <p:ext uri="{BB962C8B-B14F-4D97-AF65-F5344CB8AC3E}">
-        <p14:creationId xmlns:p14="http://schemas.microsoft.com/office/powerpoint/2010/main" val="2046865285"/>
-      </p:ext>
-    </p:extLst>
-  </p:cSld>
-  <p:clrMapOvr>
-    <a:masterClrMapping/>
-  </p:clrMapOvr>
-</p:sld>
-</file>
-
-<file path=ppt/slides/slide13.xml><?xml version="1.0" encoding="utf-8"?>
-<p:sld xmlns:a="http://schemas.openxmlformats.org/drawingml/2006/main" xmlns:r="http://schemas.openxmlformats.org/officeDocument/2006/relationships" xmlns:p="http://schemas.openxmlformats.org/presentationml/2006/main">
-  <p:cSld>
-    <p:spTree>
-      <p:nvGrpSpPr>
-        <p:cNvPr id="1" name=""/>
-        <p:cNvGrpSpPr/>
-        <p:nvPr/>
-      </p:nvGrpSpPr>
-      <p:grpSpPr>
-        <a:xfrm>
-          <a:off x="0" y="0"/>
-          <a:ext cx="0" cy="0"/>
-          <a:chOff x="0" y="0"/>
-          <a:chExt cx="0" cy="0"/>
-        </a:xfrm>
-      </p:grpSpPr>
-      <p:sp>
-        <p:nvSpPr>
-          <p:cNvPr id="2" name="Title 1"/>
-          <p:cNvSpPr>
-            <a:spLocks noGrp="1"/>
-          </p:cNvSpPr>
-          <p:nvPr>
-            <p:ph type="title"/>
-          </p:nvPr>
-        </p:nvSpPr>
-        <p:spPr>
-          <a:xfrm>
-            <a:off x="457200" y="72854"/>
-            <a:ext cx="8153400" cy="553998"/>
-          </a:xfrm>
-        </p:spPr>
-        <p:txBody>
-          <a:bodyPr wrap="square">
-            <a:spAutoFit/>
-          </a:bodyPr>
-          <a:lstStyle/>
-          <a:p>
-            <a:r>
-              <a:rPr lang="en-IN" sz="3600" dirty="0">
-                <a:latin typeface="+mj-lt"/>
-              </a:rPr>
-              <a:t>Big Data Considerations</a:t>
-            </a:r>
-            <a:endParaRPr lang="en-US" sz="3600" dirty="0">
-              <a:latin typeface="+mj-lt"/>
-            </a:endParaRPr>
-          </a:p>
-        </p:txBody>
-      </p:sp>
-      <p:sp>
-        <p:nvSpPr>
-          <p:cNvPr id="6" name="Content Placeholder 5"/>
-          <p:cNvSpPr>
-            <a:spLocks noGrp="1"/>
-          </p:cNvSpPr>
-          <p:nvPr>
-            <p:ph idx="13"/>
-          </p:nvPr>
-        </p:nvSpPr>
-        <p:spPr>
-          <a:xfrm>
-            <a:off x="447675" y="993281"/>
-            <a:ext cx="8162925" cy="5024452"/>
-          </a:xfrm>
-        </p:spPr>
-        <p:txBody>
-          <a:bodyPr wrap="square">
-            <a:spAutoFit/>
-          </a:bodyPr>
-          <a:lstStyle/>
-          <a:p>
-            <a:pPr>
-              <a:buSzPct val="100000"/>
-            </a:pPr>
-            <a:r>
-              <a:rPr lang="en-US" sz="2200" dirty="0"/>
-              <a:t>You can’t process the amount of data that you want to because of the limitations of your current platform.</a:t>
-            </a:r>
-          </a:p>
-          <a:p>
-            <a:pPr>
-              <a:buSzPct val="100000"/>
-            </a:pPr>
-            <a:r>
-              <a:rPr lang="en-US" sz="2200" dirty="0"/>
-              <a:t>You can’t include new/contemporary data sources (e.g., social media, </a:t>
-            </a:r>
-            <a:r>
-              <a:rPr lang="en-US" sz="2200" spc="-300" dirty="0"/>
-              <a:t>R F I </a:t>
-            </a:r>
-            <a:r>
-              <a:rPr lang="en-US" sz="2200" dirty="0"/>
-              <a:t>D, Sensory, Web, </a:t>
-            </a:r>
-            <a:r>
-              <a:rPr lang="en-US" sz="2200" spc="-300" dirty="0"/>
-              <a:t>G P </a:t>
-            </a:r>
-            <a:r>
-              <a:rPr lang="en-US" sz="2200" dirty="0"/>
-              <a:t>S, textual data) because it does not comply with the data storage schema</a:t>
-            </a:r>
-          </a:p>
-          <a:p>
-            <a:pPr>
-              <a:buSzPct val="100000"/>
-            </a:pPr>
-            <a:r>
-              <a:rPr lang="en-US" sz="2200" dirty="0"/>
-              <a:t>You need to (or want to) integrate data as quickly as possible to be current on your analysis.</a:t>
-            </a:r>
-          </a:p>
-          <a:p>
-            <a:pPr>
-              <a:buSzPct val="100000"/>
-            </a:pPr>
-            <a:r>
-              <a:rPr lang="en-US" sz="2200" dirty="0"/>
-              <a:t>You want to work with a schema-on-demand data storage paradigm because the variety of data types involved.</a:t>
-            </a:r>
-          </a:p>
-          <a:p>
-            <a:pPr>
-              <a:buSzPct val="100000"/>
-            </a:pPr>
-            <a:r>
-              <a:rPr lang="en-US" sz="2200" dirty="0"/>
-              <a:t>The data is arriving so fast at your organization’s doorstep that your traditional analytics platform cannot handle it.</a:t>
-            </a:r>
-          </a:p>
-          <a:p>
-            <a:pPr>
-              <a:buSzPct val="100000"/>
-            </a:pPr>
-            <a:r>
-              <a:rPr lang="en-US" sz="2200" dirty="0"/>
-              <a:t>…</a:t>
-            </a:r>
-          </a:p>
-        </p:txBody>
-      </p:sp>
-    </p:spTree>
-    <p:extLst>
-      <p:ext uri="{BB962C8B-B14F-4D97-AF65-F5344CB8AC3E}">
-        <p14:creationId xmlns:p14="http://schemas.microsoft.com/office/powerpoint/2010/main" val="3702325584"/>
-      </p:ext>
-    </p:extLst>
-  </p:cSld>
-  <p:clrMapOvr>
-    <a:masterClrMapping/>
-  </p:clrMapOvr>
-</p:sld>
-</file>
-
-<file path=ppt/slides/slide14.xml><?xml version="1.0" encoding="utf-8"?>
-<p:sld xmlns:a="http://schemas.openxmlformats.org/drawingml/2006/main" xmlns:r="http://schemas.openxmlformats.org/officeDocument/2006/relationships" xmlns:p="http://schemas.openxmlformats.org/presentationml/2006/main">
-  <p:cSld>
-    <p:spTree>
-      <p:nvGrpSpPr>
-        <p:cNvPr id="1" name=""/>
-        <p:cNvGrpSpPr/>
-        <p:nvPr/>
-      </p:nvGrpSpPr>
-      <p:grpSpPr>
-        <a:xfrm>
-          <a:off x="0" y="0"/>
-          <a:ext cx="0" cy="0"/>
-          <a:chOff x="0" y="0"/>
-          <a:chExt cx="0" cy="0"/>
-        </a:xfrm>
-      </p:grpSpPr>
-      <p:sp>
-        <p:nvSpPr>
-          <p:cNvPr id="2" name="Title 1"/>
-          <p:cNvSpPr>
-            <a:spLocks noGrp="1"/>
-          </p:cNvSpPr>
-          <p:nvPr>
-            <p:ph type="title"/>
-          </p:nvPr>
-        </p:nvSpPr>
-        <p:spPr>
-          <a:xfrm>
             <a:off x="457200" y="61781"/>
             <a:ext cx="8153400" cy="1107996"/>
           </a:xfrm>
@@ -12555,7 +11514,7 @@
 </p:sld>
 </file>
 
-<file path=ppt/slides/slide15.xml><?xml version="1.0" encoding="utf-8"?>
+<file path=ppt/slides/slide11.xml><?xml version="1.0" encoding="utf-8"?>
 <p:sld xmlns:a="http://schemas.openxmlformats.org/drawingml/2006/main" xmlns:r="http://schemas.openxmlformats.org/officeDocument/2006/relationships" xmlns:p="http://schemas.openxmlformats.org/presentationml/2006/main">
   <p:cSld>
     <p:spTree>
@@ -12736,7 +11695,7 @@
 </p:sld>
 </file>
 
-<file path=ppt/slides/slide16.xml><?xml version="1.0" encoding="utf-8"?>
+<file path=ppt/slides/slide12.xml><?xml version="1.0" encoding="utf-8"?>
 <p:sld xmlns:a="http://schemas.openxmlformats.org/drawingml/2006/main" xmlns:r="http://schemas.openxmlformats.org/officeDocument/2006/relationships" xmlns:p="http://schemas.openxmlformats.org/presentationml/2006/main">
   <p:cSld>
     <p:spTree>
@@ -12913,7 +11872,7 @@
 </p:sld>
 </file>
 
-<file path=ppt/slides/slide17.xml><?xml version="1.0" encoding="utf-8"?>
+<file path=ppt/slides/slide13.xml><?xml version="1.0" encoding="utf-8"?>
 <p:sld xmlns:a="http://schemas.openxmlformats.org/drawingml/2006/main" xmlns:r="http://schemas.openxmlformats.org/officeDocument/2006/relationships" xmlns:p="http://schemas.openxmlformats.org/presentationml/2006/main">
   <p:cSld>
     <p:spTree>
@@ -13076,7 +12035,7 @@
 </p:sld>
 </file>
 
-<file path=ppt/slides/slide18.xml><?xml version="1.0" encoding="utf-8"?>
+<file path=ppt/slides/slide14.xml><?xml version="1.0" encoding="utf-8"?>
 <p:sld xmlns:a="http://schemas.openxmlformats.org/drawingml/2006/main" xmlns:r="http://schemas.openxmlformats.org/officeDocument/2006/relationships" xmlns:p="http://schemas.openxmlformats.org/presentationml/2006/main">
   <p:cSld>
     <p:spTree>
@@ -13241,7 +12200,7 @@
 </p:sld>
 </file>
 
-<file path=ppt/slides/slide19.xml><?xml version="1.0" encoding="utf-8"?>
+<file path=ppt/slides/slide15.xml><?xml version="1.0" encoding="utf-8"?>
 <p:sld xmlns:a="http://schemas.openxmlformats.org/drawingml/2006/main" xmlns:r="http://schemas.openxmlformats.org/officeDocument/2006/relationships" xmlns:p="http://schemas.openxmlformats.org/presentationml/2006/main">
   <p:cSld>
     <p:spTree>
@@ -13476,262 +12435,7 @@
 </p:sld>
 </file>
 
-<file path=ppt/slides/slide2.xml><?xml version="1.0" encoding="utf-8"?>
-<p:sld xmlns:a="http://schemas.openxmlformats.org/drawingml/2006/main" xmlns:r="http://schemas.openxmlformats.org/officeDocument/2006/relationships" xmlns:p="http://schemas.openxmlformats.org/presentationml/2006/main">
-  <p:cSld>
-    <p:spTree>
-      <p:nvGrpSpPr>
-        <p:cNvPr id="1" name=""/>
-        <p:cNvGrpSpPr/>
-        <p:nvPr/>
-      </p:nvGrpSpPr>
-      <p:grpSpPr>
-        <a:xfrm>
-          <a:off x="0" y="0"/>
-          <a:ext cx="0" cy="0"/>
-          <a:chOff x="0" y="0"/>
-          <a:chExt cx="0" cy="0"/>
-        </a:xfrm>
-      </p:grpSpPr>
-      <p:sp>
-        <p:nvSpPr>
-          <p:cNvPr id="2" name="Title 1"/>
-          <p:cNvSpPr>
-            <a:spLocks noGrp="1"/>
-          </p:cNvSpPr>
-          <p:nvPr>
-            <p:ph type="title"/>
-          </p:nvPr>
-        </p:nvSpPr>
-        <p:spPr>
-          <a:xfrm>
-            <a:off x="456154" y="74652"/>
-            <a:ext cx="8153400" cy="553998"/>
-          </a:xfrm>
-        </p:spPr>
-        <p:txBody>
-          <a:bodyPr wrap="square">
-            <a:spAutoFit/>
-          </a:bodyPr>
-          <a:lstStyle/>
-          <a:p>
-            <a:r>
-              <a:rPr lang="en-IN" altLang="en-US" dirty="0"/>
-              <a:t>Learning Objectives </a:t>
-            </a:r>
-            <a:r>
-              <a:rPr lang="en-IN" altLang="en-US" sz="2800" dirty="0"/>
-              <a:t>(1 of 2)</a:t>
-            </a:r>
-            <a:endParaRPr lang="en-US" dirty="0"/>
-          </a:p>
-        </p:txBody>
-      </p:sp>
-      <p:sp>
-        <p:nvSpPr>
-          <p:cNvPr id="3" name="Content Placeholder 2"/>
-          <p:cNvSpPr>
-            <a:spLocks noGrp="1"/>
-          </p:cNvSpPr>
-          <p:nvPr>
-            <p:ph idx="1"/>
-          </p:nvPr>
-        </p:nvSpPr>
-        <p:spPr>
-          <a:xfrm>
-            <a:off x="456154" y="762000"/>
-            <a:ext cx="8153400" cy="4462760"/>
-          </a:xfrm>
-        </p:spPr>
-        <p:txBody>
-          <a:bodyPr wrap="square">
-            <a:spAutoFit/>
-          </a:bodyPr>
-          <a:lstStyle/>
-          <a:p>
-            <a:pPr marL="714375" lvl="0" indent="-714375">
-              <a:buClr>
-                <a:schemeClr val="lt1"/>
-              </a:buClr>
-              <a:buSzPct val="25000"/>
-              <a:buNone/>
-              <a:tabLst>
-                <a:tab pos="714375" algn="l"/>
-              </a:tabLst>
-            </a:pPr>
-            <a:r>
-              <a:rPr lang="en-US" sz="2400" b="1" dirty="0">
-                <a:solidFill>
-                  <a:srgbClr val="007FA3"/>
-                </a:solidFill>
-              </a:rPr>
-              <a:t>9.1</a:t>
-            </a:r>
-            <a:r>
-              <a:rPr lang="en-US" sz="2400" dirty="0"/>
-              <a:t> 	Learn what Big Data is and how it is changing the world of analytics</a:t>
-            </a:r>
-          </a:p>
-          <a:p>
-            <a:pPr marL="714375" indent="-714375">
-              <a:buClr>
-                <a:schemeClr val="lt1"/>
-              </a:buClr>
-              <a:buSzPct val="25000"/>
-              <a:buNone/>
-              <a:tabLst>
-                <a:tab pos="714375" algn="l"/>
-              </a:tabLst>
-            </a:pPr>
-            <a:r>
-              <a:rPr lang="en-US" sz="2400" b="1" dirty="0">
-                <a:solidFill>
-                  <a:srgbClr val="007FA3"/>
-                </a:solidFill>
-              </a:rPr>
-              <a:t>9.2</a:t>
-            </a:r>
-            <a:r>
-              <a:rPr lang="en-US" sz="2400" b="1" dirty="0">
-                <a:solidFill>
-                  <a:schemeClr val="accent1"/>
-                </a:solidFill>
-              </a:rPr>
-              <a:t> 	</a:t>
-            </a:r>
-            <a:r>
-              <a:rPr lang="en-US" sz="2400" dirty="0"/>
-              <a:t>Understand the motivation for and business drivers of Big Data analytics</a:t>
-            </a:r>
-          </a:p>
-          <a:p>
-            <a:pPr marL="714375" indent="-714375">
-              <a:buClr>
-                <a:schemeClr val="lt1"/>
-              </a:buClr>
-              <a:buSzPct val="25000"/>
-              <a:buNone/>
-              <a:tabLst>
-                <a:tab pos="714375" algn="l"/>
-              </a:tabLst>
-            </a:pPr>
-            <a:r>
-              <a:rPr lang="en-US" sz="2400" b="1" dirty="0">
-                <a:solidFill>
-                  <a:srgbClr val="007FA3"/>
-                </a:solidFill>
-              </a:rPr>
-              <a:t>9.3</a:t>
-            </a:r>
-            <a:r>
-              <a:rPr lang="en-US" sz="2400" dirty="0"/>
-              <a:t> 	Become familiar with the wide range of enabling technologies for Big Data analytics</a:t>
-            </a:r>
-          </a:p>
-          <a:p>
-            <a:pPr marL="714375" indent="-714375">
-              <a:buClr>
-                <a:schemeClr val="lt1"/>
-              </a:buClr>
-              <a:buSzPct val="25000"/>
-              <a:buNone/>
-              <a:tabLst>
-                <a:tab pos="714375" algn="l"/>
-              </a:tabLst>
-            </a:pPr>
-            <a:r>
-              <a:rPr lang="en-US" sz="2400" b="1" dirty="0">
-                <a:solidFill>
-                  <a:srgbClr val="007FA3"/>
-                </a:solidFill>
-              </a:rPr>
-              <a:t>9.4</a:t>
-            </a:r>
-            <a:r>
-              <a:rPr lang="en-US" sz="2400" b="1" dirty="0">
-                <a:solidFill>
-                  <a:schemeClr val="accent1"/>
-                </a:solidFill>
-              </a:rPr>
-              <a:t> 	</a:t>
-            </a:r>
-            <a:r>
-              <a:rPr lang="en-US" sz="2400" dirty="0"/>
-              <a:t>Learn about </a:t>
-            </a:r>
-            <a:r>
-              <a:rPr lang="en-US" sz="2400" dirty="0" err="1"/>
-              <a:t>Hadoop</a:t>
-            </a:r>
-            <a:r>
-              <a:rPr lang="en-US" sz="2400" dirty="0"/>
-              <a:t>, </a:t>
-            </a:r>
-            <a:r>
-              <a:rPr lang="en-US" sz="2400" dirty="0" err="1"/>
-              <a:t>MapReduce</a:t>
-            </a:r>
-            <a:r>
-              <a:rPr lang="en-US" sz="2400" dirty="0"/>
-              <a:t>, and </a:t>
-            </a:r>
-            <a:r>
-              <a:rPr lang="en-US" sz="2400" dirty="0" err="1"/>
-              <a:t>No</a:t>
-            </a:r>
-            <a:r>
-              <a:rPr lang="en-US" sz="2400" spc="-300" dirty="0" err="1"/>
-              <a:t>S</a:t>
-            </a:r>
-            <a:r>
-              <a:rPr lang="en-US" sz="2400" spc="-300" dirty="0"/>
-              <a:t> Q </a:t>
-            </a:r>
-            <a:r>
-              <a:rPr lang="en-US" sz="2400" dirty="0"/>
-              <a:t>L as they relate to Big Data analytics</a:t>
-            </a:r>
-          </a:p>
-          <a:p>
-            <a:pPr marL="714375" indent="-714375">
-              <a:buClr>
-                <a:schemeClr val="lt1"/>
-              </a:buClr>
-              <a:buSzPct val="25000"/>
-              <a:buNone/>
-              <a:tabLst>
-                <a:tab pos="714375" algn="l"/>
-              </a:tabLst>
-            </a:pPr>
-            <a:r>
-              <a:rPr lang="en-US" sz="2400" b="1" dirty="0">
-                <a:solidFill>
-                  <a:srgbClr val="007FA3"/>
-                </a:solidFill>
-              </a:rPr>
-              <a:t>9.5</a:t>
-            </a:r>
-            <a:r>
-              <a:rPr lang="en-US" sz="2400" dirty="0"/>
-              <a:t> 	Compare and contrast the complementary uses of data warehousing and Big Data technologies</a:t>
-            </a:r>
-          </a:p>
-        </p:txBody>
-      </p:sp>
-    </p:spTree>
-    <p:extLst>
-      <p:ext uri="{BB962C8B-B14F-4D97-AF65-F5344CB8AC3E}">
-        <p14:creationId xmlns:p14="http://schemas.microsoft.com/office/powerpoint/2010/main" val="1944379431"/>
-      </p:ext>
-    </p:extLst>
-  </p:cSld>
-  <p:clrMapOvr>
-    <a:masterClrMapping/>
-  </p:clrMapOvr>
-</p:sld>
-</file>
-
-<file path=ppt/slides/slide20.xml><?xml version="1.0" encoding="utf-8"?>
+<file path=ppt/slides/slide16.xml><?xml version="1.0" encoding="utf-8"?>
 <p:sld xmlns:a="http://schemas.openxmlformats.org/drawingml/2006/main" xmlns:r="http://schemas.openxmlformats.org/officeDocument/2006/relationships" xmlns:p="http://schemas.openxmlformats.org/presentationml/2006/main">
   <p:cSld>
     <p:spTree>
@@ -13911,7 +12615,7 @@
 </p:sld>
 </file>
 
-<file path=ppt/slides/slide21.xml><?xml version="1.0" encoding="utf-8"?>
+<file path=ppt/slides/slide17.xml><?xml version="1.0" encoding="utf-8"?>
 <p:sld xmlns:a="http://schemas.openxmlformats.org/drawingml/2006/main" xmlns:r="http://schemas.openxmlformats.org/officeDocument/2006/relationships" xmlns:p="http://schemas.openxmlformats.org/presentationml/2006/main">
   <p:cSld>
     <p:spTree>
@@ -14085,7 +12789,7 @@
 </p:sld>
 </file>
 
-<file path=ppt/slides/slide22.xml><?xml version="1.0" encoding="utf-8"?>
+<file path=ppt/slides/slide18.xml><?xml version="1.0" encoding="utf-8"?>
 <p:sld xmlns:a="http://schemas.openxmlformats.org/drawingml/2006/main" xmlns:r="http://schemas.openxmlformats.org/officeDocument/2006/relationships" xmlns:p="http://schemas.openxmlformats.org/presentationml/2006/main">
   <p:cSld>
     <p:spTree>
@@ -14268,7 +12972,7 @@
 </p:sld>
 </file>
 
-<file path=ppt/slides/slide23.xml><?xml version="1.0" encoding="utf-8"?>
+<file path=ppt/slides/slide19.xml><?xml version="1.0" encoding="utf-8"?>
 <p:sld xmlns:a="http://schemas.openxmlformats.org/drawingml/2006/main" xmlns:r="http://schemas.openxmlformats.org/officeDocument/2006/relationships" xmlns:p="http://schemas.openxmlformats.org/presentationml/2006/main">
   <p:cSld>
     <p:spTree>
@@ -14488,7 +13192,262 @@
 </p:sld>
 </file>
 
-<file path=ppt/slides/slide24.xml><?xml version="1.0" encoding="utf-8"?>
+<file path=ppt/slides/slide2.xml><?xml version="1.0" encoding="utf-8"?>
+<p:sld xmlns:a="http://schemas.openxmlformats.org/drawingml/2006/main" xmlns:r="http://schemas.openxmlformats.org/officeDocument/2006/relationships" xmlns:p="http://schemas.openxmlformats.org/presentationml/2006/main">
+  <p:cSld>
+    <p:spTree>
+      <p:nvGrpSpPr>
+        <p:cNvPr id="1" name=""/>
+        <p:cNvGrpSpPr/>
+        <p:nvPr/>
+      </p:nvGrpSpPr>
+      <p:grpSpPr>
+        <a:xfrm>
+          <a:off x="0" y="0"/>
+          <a:ext cx="0" cy="0"/>
+          <a:chOff x="0" y="0"/>
+          <a:chExt cx="0" cy="0"/>
+        </a:xfrm>
+      </p:grpSpPr>
+      <p:sp>
+        <p:nvSpPr>
+          <p:cNvPr id="2" name="Title 1"/>
+          <p:cNvSpPr>
+            <a:spLocks noGrp="1"/>
+          </p:cNvSpPr>
+          <p:nvPr>
+            <p:ph type="title"/>
+          </p:nvPr>
+        </p:nvSpPr>
+        <p:spPr>
+          <a:xfrm>
+            <a:off x="456154" y="74652"/>
+            <a:ext cx="8153400" cy="553998"/>
+          </a:xfrm>
+        </p:spPr>
+        <p:txBody>
+          <a:bodyPr wrap="square">
+            <a:spAutoFit/>
+          </a:bodyPr>
+          <a:lstStyle/>
+          <a:p>
+            <a:r>
+              <a:rPr lang="en-IN" altLang="en-US" dirty="0"/>
+              <a:t>Learning Objectives </a:t>
+            </a:r>
+            <a:r>
+              <a:rPr lang="en-IN" altLang="en-US" sz="2800" dirty="0"/>
+              <a:t>(1 of 2)</a:t>
+            </a:r>
+            <a:endParaRPr lang="en-US" dirty="0"/>
+          </a:p>
+        </p:txBody>
+      </p:sp>
+      <p:sp>
+        <p:nvSpPr>
+          <p:cNvPr id="3" name="Content Placeholder 2"/>
+          <p:cNvSpPr>
+            <a:spLocks noGrp="1"/>
+          </p:cNvSpPr>
+          <p:nvPr>
+            <p:ph idx="1"/>
+          </p:nvPr>
+        </p:nvSpPr>
+        <p:spPr>
+          <a:xfrm>
+            <a:off x="456154" y="762000"/>
+            <a:ext cx="8153400" cy="4462760"/>
+          </a:xfrm>
+        </p:spPr>
+        <p:txBody>
+          <a:bodyPr wrap="square">
+            <a:spAutoFit/>
+          </a:bodyPr>
+          <a:lstStyle/>
+          <a:p>
+            <a:pPr marL="714375" lvl="0" indent="-714375">
+              <a:buClr>
+                <a:schemeClr val="lt1"/>
+              </a:buClr>
+              <a:buSzPct val="25000"/>
+              <a:buNone/>
+              <a:tabLst>
+                <a:tab pos="714375" algn="l"/>
+              </a:tabLst>
+            </a:pPr>
+            <a:r>
+              <a:rPr lang="en-US" sz="2400" b="1" dirty="0">
+                <a:solidFill>
+                  <a:srgbClr val="007FA3"/>
+                </a:solidFill>
+              </a:rPr>
+              <a:t>9.1</a:t>
+            </a:r>
+            <a:r>
+              <a:rPr lang="en-US" sz="2400" dirty="0"/>
+              <a:t> 	Learn what Big Data is and how it is changing the world of analytics</a:t>
+            </a:r>
+          </a:p>
+          <a:p>
+            <a:pPr marL="714375" indent="-714375">
+              <a:buClr>
+                <a:schemeClr val="lt1"/>
+              </a:buClr>
+              <a:buSzPct val="25000"/>
+              <a:buNone/>
+              <a:tabLst>
+                <a:tab pos="714375" algn="l"/>
+              </a:tabLst>
+            </a:pPr>
+            <a:r>
+              <a:rPr lang="en-US" sz="2400" b="1" dirty="0">
+                <a:solidFill>
+                  <a:srgbClr val="007FA3"/>
+                </a:solidFill>
+              </a:rPr>
+              <a:t>9.2</a:t>
+            </a:r>
+            <a:r>
+              <a:rPr lang="en-US" sz="2400" b="1" dirty="0">
+                <a:solidFill>
+                  <a:schemeClr val="accent1"/>
+                </a:solidFill>
+              </a:rPr>
+              <a:t> 	</a:t>
+            </a:r>
+            <a:r>
+              <a:rPr lang="en-US" sz="2400" dirty="0"/>
+              <a:t>Understand the motivation for and business drivers of Big Data analytics</a:t>
+            </a:r>
+          </a:p>
+          <a:p>
+            <a:pPr marL="714375" indent="-714375">
+              <a:buClr>
+                <a:schemeClr val="lt1"/>
+              </a:buClr>
+              <a:buSzPct val="25000"/>
+              <a:buNone/>
+              <a:tabLst>
+                <a:tab pos="714375" algn="l"/>
+              </a:tabLst>
+            </a:pPr>
+            <a:r>
+              <a:rPr lang="en-US" sz="2400" b="1" dirty="0">
+                <a:solidFill>
+                  <a:srgbClr val="007FA3"/>
+                </a:solidFill>
+              </a:rPr>
+              <a:t>9.3</a:t>
+            </a:r>
+            <a:r>
+              <a:rPr lang="en-US" sz="2400" dirty="0"/>
+              <a:t> 	Become familiar with the wide range of enabling technologies for Big Data analytics</a:t>
+            </a:r>
+          </a:p>
+          <a:p>
+            <a:pPr marL="714375" indent="-714375">
+              <a:buClr>
+                <a:schemeClr val="lt1"/>
+              </a:buClr>
+              <a:buSzPct val="25000"/>
+              <a:buNone/>
+              <a:tabLst>
+                <a:tab pos="714375" algn="l"/>
+              </a:tabLst>
+            </a:pPr>
+            <a:r>
+              <a:rPr lang="en-US" sz="2400" b="1" dirty="0">
+                <a:solidFill>
+                  <a:srgbClr val="007FA3"/>
+                </a:solidFill>
+              </a:rPr>
+              <a:t>9.4</a:t>
+            </a:r>
+            <a:r>
+              <a:rPr lang="en-US" sz="2400" b="1" dirty="0">
+                <a:solidFill>
+                  <a:schemeClr val="accent1"/>
+                </a:solidFill>
+              </a:rPr>
+              <a:t> 	</a:t>
+            </a:r>
+            <a:r>
+              <a:rPr lang="en-US" sz="2400" dirty="0"/>
+              <a:t>Learn about </a:t>
+            </a:r>
+            <a:r>
+              <a:rPr lang="en-US" sz="2400" dirty="0" err="1"/>
+              <a:t>Hadoop</a:t>
+            </a:r>
+            <a:r>
+              <a:rPr lang="en-US" sz="2400" dirty="0"/>
+              <a:t>, </a:t>
+            </a:r>
+            <a:r>
+              <a:rPr lang="en-US" sz="2400" dirty="0" err="1"/>
+              <a:t>MapReduce</a:t>
+            </a:r>
+            <a:r>
+              <a:rPr lang="en-US" sz="2400" dirty="0"/>
+              <a:t>, and </a:t>
+            </a:r>
+            <a:r>
+              <a:rPr lang="en-US" sz="2400" dirty="0" err="1"/>
+              <a:t>No</a:t>
+            </a:r>
+            <a:r>
+              <a:rPr lang="en-US" sz="2400" spc="-300" dirty="0" err="1"/>
+              <a:t>S</a:t>
+            </a:r>
+            <a:r>
+              <a:rPr lang="en-US" sz="2400" spc="-300" dirty="0"/>
+              <a:t> Q </a:t>
+            </a:r>
+            <a:r>
+              <a:rPr lang="en-US" sz="2400" dirty="0"/>
+              <a:t>L as they relate to Big Data analytics</a:t>
+            </a:r>
+          </a:p>
+          <a:p>
+            <a:pPr marL="714375" indent="-714375">
+              <a:buClr>
+                <a:schemeClr val="lt1"/>
+              </a:buClr>
+              <a:buSzPct val="25000"/>
+              <a:buNone/>
+              <a:tabLst>
+                <a:tab pos="714375" algn="l"/>
+              </a:tabLst>
+            </a:pPr>
+            <a:r>
+              <a:rPr lang="en-US" sz="2400" b="1" dirty="0">
+                <a:solidFill>
+                  <a:srgbClr val="007FA3"/>
+                </a:solidFill>
+              </a:rPr>
+              <a:t>9.5</a:t>
+            </a:r>
+            <a:r>
+              <a:rPr lang="en-US" sz="2400" dirty="0"/>
+              <a:t> 	Compare and contrast the complementary uses of data warehousing and Big Data technologies</a:t>
+            </a:r>
+          </a:p>
+        </p:txBody>
+      </p:sp>
+    </p:spTree>
+    <p:extLst>
+      <p:ext uri="{BB962C8B-B14F-4D97-AF65-F5344CB8AC3E}">
+        <p14:creationId xmlns:p14="http://schemas.microsoft.com/office/powerpoint/2010/main" val="1944379431"/>
+      </p:ext>
+    </p:extLst>
+  </p:cSld>
+  <p:clrMapOvr>
+    <a:masterClrMapping/>
+  </p:clrMapOvr>
+</p:sld>
+</file>
+
+<file path=ppt/slides/slide20.xml><?xml version="1.0" encoding="utf-8"?>
 <p:sld xmlns:a="http://schemas.openxmlformats.org/drawingml/2006/main" xmlns:r="http://schemas.openxmlformats.org/officeDocument/2006/relationships" xmlns:p="http://schemas.openxmlformats.org/presentationml/2006/main">
   <p:cSld>
     <p:spTree>
@@ -14754,7 +13713,7 @@
 </p:sld>
 </file>
 
-<file path=ppt/slides/slide25.xml><?xml version="1.0" encoding="utf-8"?>
+<file path=ppt/slides/slide21.xml><?xml version="1.0" encoding="utf-8"?>
 <p:sld xmlns:a="http://schemas.openxmlformats.org/drawingml/2006/main" xmlns:r="http://schemas.openxmlformats.org/officeDocument/2006/relationships" xmlns:p="http://schemas.openxmlformats.org/presentationml/2006/main">
   <p:cSld>
     <p:spTree>
@@ -14994,7 +13953,7 @@
 </p:sld>
 </file>
 
-<file path=ppt/slides/slide26.xml><?xml version="1.0" encoding="utf-8"?>
+<file path=ppt/slides/slide22.xml><?xml version="1.0" encoding="utf-8"?>
 <p:sld xmlns:a="http://schemas.openxmlformats.org/drawingml/2006/main" xmlns:r="http://schemas.openxmlformats.org/officeDocument/2006/relationships" xmlns:p="http://schemas.openxmlformats.org/presentationml/2006/main">
   <p:cSld>
     <p:spTree>
@@ -15234,7 +14193,7 @@
 </p:sld>
 </file>
 
-<file path=ppt/slides/slide27.xml><?xml version="1.0" encoding="utf-8"?>
+<file path=ppt/slides/slide23.xml><?xml version="1.0" encoding="utf-8"?>
 <p:sld xmlns:a="http://schemas.openxmlformats.org/drawingml/2006/main" xmlns:r="http://schemas.openxmlformats.org/officeDocument/2006/relationships" xmlns:p="http://schemas.openxmlformats.org/presentationml/2006/main">
   <p:cSld>
     <p:spTree>
@@ -15426,7 +14385,7 @@
 </p:sld>
 </file>
 
-<file path=ppt/slides/slide28.xml><?xml version="1.0" encoding="utf-8"?>
+<file path=ppt/slides/slide24.xml><?xml version="1.0" encoding="utf-8"?>
 <p:sld xmlns:a="http://schemas.openxmlformats.org/drawingml/2006/main" xmlns:r="http://schemas.openxmlformats.org/officeDocument/2006/relationships" xmlns:p="http://schemas.openxmlformats.org/presentationml/2006/main">
   <p:cSld>
     <p:spTree>
@@ -15538,7 +14497,7 @@
 </p:sld>
 </file>
 
-<file path=ppt/slides/slide29.xml><?xml version="1.0" encoding="utf-8"?>
+<file path=ppt/slides/slide25.xml><?xml version="1.0" encoding="utf-8"?>
 <p:sld xmlns:a="http://schemas.openxmlformats.org/drawingml/2006/main" xmlns:r="http://schemas.openxmlformats.org/officeDocument/2006/relationships" xmlns:p="http://schemas.openxmlformats.org/presentationml/2006/main">
   <p:cSld>
     <p:spTree>
@@ -15701,254 +14660,7 @@
 </p:sld>
 </file>
 
-<file path=ppt/slides/slide3.xml><?xml version="1.0" encoding="utf-8"?>
-<p:sld xmlns:a="http://schemas.openxmlformats.org/drawingml/2006/main" xmlns:r="http://schemas.openxmlformats.org/officeDocument/2006/relationships" xmlns:p="http://schemas.openxmlformats.org/presentationml/2006/main">
-  <p:cSld>
-    <p:spTree>
-      <p:nvGrpSpPr>
-        <p:cNvPr id="1" name=""/>
-        <p:cNvGrpSpPr/>
-        <p:nvPr/>
-      </p:nvGrpSpPr>
-      <p:grpSpPr>
-        <a:xfrm>
-          <a:off x="0" y="0"/>
-          <a:ext cx="0" cy="0"/>
-          <a:chOff x="0" y="0"/>
-          <a:chExt cx="0" cy="0"/>
-        </a:xfrm>
-      </p:grpSpPr>
-      <p:sp>
-        <p:nvSpPr>
-          <p:cNvPr id="2" name="Title 1"/>
-          <p:cNvSpPr>
-            <a:spLocks noGrp="1"/>
-          </p:cNvSpPr>
-          <p:nvPr>
-            <p:ph type="title"/>
-          </p:nvPr>
-        </p:nvSpPr>
-        <p:spPr>
-          <a:xfrm>
-            <a:off x="456154" y="74652"/>
-            <a:ext cx="8153400" cy="553998"/>
-          </a:xfrm>
-        </p:spPr>
-        <p:txBody>
-          <a:bodyPr wrap="square">
-            <a:spAutoFit/>
-          </a:bodyPr>
-          <a:lstStyle/>
-          <a:p>
-            <a:r>
-              <a:rPr lang="en-IN" altLang="en-US" dirty="0"/>
-              <a:t>Learning Objectives </a:t>
-            </a:r>
-            <a:r>
-              <a:rPr lang="en-IN" altLang="en-US" sz="2800" dirty="0"/>
-              <a:t>(2 of 2)</a:t>
-            </a:r>
-            <a:endParaRPr lang="en-US" dirty="0"/>
-          </a:p>
-        </p:txBody>
-      </p:sp>
-      <p:sp>
-        <p:nvSpPr>
-          <p:cNvPr id="3" name="Content Placeholder 2"/>
-          <p:cNvSpPr>
-            <a:spLocks noGrp="1"/>
-          </p:cNvSpPr>
-          <p:nvPr>
-            <p:ph idx="1"/>
-          </p:nvPr>
-        </p:nvSpPr>
-        <p:spPr>
-          <a:xfrm>
-            <a:off x="456154" y="762000"/>
-            <a:ext cx="8153400" cy="5024452"/>
-          </a:xfrm>
-        </p:spPr>
-        <p:txBody>
-          <a:bodyPr wrap="square">
-            <a:spAutoFit/>
-          </a:bodyPr>
-          <a:lstStyle/>
-          <a:p>
-            <a:pPr marL="714375" indent="-714375">
-              <a:buClr>
-                <a:schemeClr val="lt1"/>
-              </a:buClr>
-              <a:buSzPct val="25000"/>
-              <a:buNone/>
-              <a:tabLst>
-                <a:tab pos="714375" algn="l"/>
-              </a:tabLst>
-            </a:pPr>
-            <a:r>
-              <a:rPr lang="en-US" sz="2400" b="1" dirty="0">
-                <a:solidFill>
-                  <a:srgbClr val="007FA3"/>
-                </a:solidFill>
-              </a:rPr>
-              <a:t>9.6</a:t>
-            </a:r>
-            <a:r>
-              <a:rPr lang="en-US" sz="2400" dirty="0"/>
-              <a:t> 	Become familiar with in-memory analytics and Spark applications</a:t>
-            </a:r>
-          </a:p>
-          <a:p>
-            <a:pPr marL="714375" indent="-714375">
-              <a:buClr>
-                <a:schemeClr val="lt1"/>
-              </a:buClr>
-              <a:buSzPct val="25000"/>
-              <a:buNone/>
-              <a:tabLst>
-                <a:tab pos="714375" algn="l"/>
-              </a:tabLst>
-            </a:pPr>
-            <a:r>
-              <a:rPr lang="en-US" sz="2400" b="1" dirty="0">
-                <a:solidFill>
-                  <a:srgbClr val="007FA3"/>
-                </a:solidFill>
-              </a:rPr>
-              <a:t>9.7</a:t>
-            </a:r>
-            <a:r>
-              <a:rPr lang="en-US" sz="2400" b="1" dirty="0">
-                <a:solidFill>
-                  <a:schemeClr val="accent1"/>
-                </a:solidFill>
-              </a:rPr>
-              <a:t> 	</a:t>
-            </a:r>
-            <a:r>
-              <a:rPr lang="en-US" sz="2400" dirty="0"/>
-              <a:t>Become familiar with select Big Data platforms and services</a:t>
-            </a:r>
-          </a:p>
-          <a:p>
-            <a:pPr marL="714375" indent="-714375">
-              <a:buClr>
-                <a:schemeClr val="lt1"/>
-              </a:buClr>
-              <a:buSzPct val="25000"/>
-              <a:buNone/>
-              <a:tabLst>
-                <a:tab pos="714375" algn="l"/>
-              </a:tabLst>
-            </a:pPr>
-            <a:r>
-              <a:rPr lang="en-US" sz="2400" b="1" dirty="0">
-                <a:solidFill>
-                  <a:srgbClr val="007FA3"/>
-                </a:solidFill>
-              </a:rPr>
-              <a:t>9.8</a:t>
-            </a:r>
-            <a:r>
-              <a:rPr lang="en-US" sz="2400" dirty="0"/>
-              <a:t> 	Understand the need for and appreciate the capabilities of stream analytics</a:t>
-            </a:r>
-          </a:p>
-          <a:p>
-            <a:pPr marL="0" lvl="0" indent="0">
-              <a:buClr>
-                <a:schemeClr val="lt1"/>
-              </a:buClr>
-              <a:buSzPct val="25000"/>
-              <a:buNone/>
-              <a:tabLst>
-                <a:tab pos="714375" algn="l"/>
-              </a:tabLst>
-            </a:pPr>
-            <a:r>
-              <a:rPr lang="en-US" sz="2400" b="1" dirty="0">
-                <a:solidFill>
-                  <a:srgbClr val="007FA3"/>
-                </a:solidFill>
-              </a:rPr>
-              <a:t>9.9</a:t>
-            </a:r>
-            <a:r>
-              <a:rPr lang="en-US" sz="2400" b="1" dirty="0">
-                <a:solidFill>
-                  <a:schemeClr val="accent1"/>
-                </a:solidFill>
-              </a:rPr>
-              <a:t> 	</a:t>
-            </a:r>
-            <a:r>
-              <a:rPr lang="en-US" sz="2400" dirty="0"/>
-              <a:t>Learn about the applications of stream analytics</a:t>
-            </a:r>
-          </a:p>
-          <a:p>
-            <a:pPr marL="714375" lvl="0" indent="-714375">
-              <a:buClr>
-                <a:schemeClr val="lt1"/>
-              </a:buClr>
-              <a:buSzPct val="25000"/>
-              <a:buNone/>
-              <a:tabLst>
-                <a:tab pos="714375" algn="l"/>
-              </a:tabLst>
-            </a:pPr>
-            <a:r>
-              <a:rPr lang="en-US" sz="2400" b="1" dirty="0">
-                <a:solidFill>
-                  <a:srgbClr val="007FA3"/>
-                </a:solidFill>
-              </a:rPr>
-              <a:t>9.10</a:t>
-            </a:r>
-            <a:r>
-              <a:rPr lang="en-US" sz="2400" dirty="0"/>
-              <a:t> Describe the current and future use of cloud  computing in business analytics</a:t>
-            </a:r>
-          </a:p>
-          <a:p>
-            <a:pPr marL="714375" indent="-714375">
-              <a:buClr>
-                <a:schemeClr val="lt1"/>
-              </a:buClr>
-              <a:buSzPct val="25000"/>
-              <a:buNone/>
-              <a:tabLst>
-                <a:tab pos="714375" algn="l"/>
-              </a:tabLst>
-            </a:pPr>
-            <a:r>
-              <a:rPr lang="en-US" sz="2400" b="1" dirty="0">
-                <a:solidFill>
-                  <a:srgbClr val="007FA3"/>
-                </a:solidFill>
-              </a:rPr>
-              <a:t>9.11</a:t>
-            </a:r>
-            <a:r>
-              <a:rPr lang="en-US" sz="2400" dirty="0"/>
-              <a:t> Describe how geospatial and location-based analytics are assisting organizations</a:t>
-            </a:r>
-          </a:p>
-        </p:txBody>
-      </p:sp>
-    </p:spTree>
-    <p:extLst>
-      <p:ext uri="{BB962C8B-B14F-4D97-AF65-F5344CB8AC3E}">
-        <p14:creationId xmlns:p14="http://schemas.microsoft.com/office/powerpoint/2010/main" val="244231195"/>
-      </p:ext>
-    </p:extLst>
-  </p:cSld>
-  <p:clrMapOvr>
-    <a:masterClrMapping/>
-  </p:clrMapOvr>
-</p:sld>
-</file>
-
-<file path=ppt/slides/slide30.xml><?xml version="1.0" encoding="utf-8"?>
+<file path=ppt/slides/slide26.xml><?xml version="1.0" encoding="utf-8"?>
 <p:sld xmlns:a="http://schemas.openxmlformats.org/drawingml/2006/main" xmlns:r="http://schemas.openxmlformats.org/officeDocument/2006/relationships" xmlns:p="http://schemas.openxmlformats.org/presentationml/2006/main">
   <p:cSld>
     <p:spTree>
@@ -16163,7 +14875,7 @@
 </p:sld>
 </file>
 
-<file path=ppt/slides/slide31.xml><?xml version="1.0" encoding="utf-8"?>
+<file path=ppt/slides/slide27.xml><?xml version="1.0" encoding="utf-8"?>
 <p:sld xmlns:a="http://schemas.openxmlformats.org/drawingml/2006/main" xmlns:r="http://schemas.openxmlformats.org/officeDocument/2006/relationships" xmlns:p="http://schemas.openxmlformats.org/presentationml/2006/main">
   <p:cSld>
     <p:spTree>
@@ -16323,7 +15035,7 @@
 </p:sld>
 </file>
 
-<file path=ppt/slides/slide32.xml><?xml version="1.0" encoding="utf-8"?>
+<file path=ppt/slides/slide28.xml><?xml version="1.0" encoding="utf-8"?>
 <p:sld xmlns:a="http://schemas.openxmlformats.org/drawingml/2006/main" xmlns:r="http://schemas.openxmlformats.org/officeDocument/2006/relationships" xmlns:p="http://schemas.openxmlformats.org/presentationml/2006/main">
   <p:cSld>
     <p:spTree>
@@ -16473,7 +15185,7 @@
 </p:sld>
 </file>
 
-<file path=ppt/slides/slide33.xml><?xml version="1.0" encoding="utf-8"?>
+<file path=ppt/slides/slide29.xml><?xml version="1.0" encoding="utf-8"?>
 <p:sld xmlns:a="http://schemas.openxmlformats.org/drawingml/2006/main" xmlns:r="http://schemas.openxmlformats.org/officeDocument/2006/relationships" xmlns:p="http://schemas.openxmlformats.org/presentationml/2006/main">
   <p:cSld>
     <p:spTree>
@@ -16637,7 +15349,7 @@
 </p:sld>
 </file>
 
-<file path=ppt/slides/slide34.xml><?xml version="1.0" encoding="utf-8"?>
+<file path=ppt/slides/slide3.xml><?xml version="1.0" encoding="utf-8"?>
 <p:sld xmlns:a="http://schemas.openxmlformats.org/drawingml/2006/main" xmlns:r="http://schemas.openxmlformats.org/officeDocument/2006/relationships" xmlns:p="http://schemas.openxmlformats.org/presentationml/2006/main">
   <p:cSld>
     <p:spTree>
@@ -16666,6 +15378,253 @@
         </p:nvSpPr>
         <p:spPr>
           <a:xfrm>
+            <a:off x="456154" y="74652"/>
+            <a:ext cx="8153400" cy="553998"/>
+          </a:xfrm>
+        </p:spPr>
+        <p:txBody>
+          <a:bodyPr wrap="square">
+            <a:spAutoFit/>
+          </a:bodyPr>
+          <a:lstStyle/>
+          <a:p>
+            <a:r>
+              <a:rPr lang="en-IN" altLang="en-US" dirty="0"/>
+              <a:t>Learning Objectives </a:t>
+            </a:r>
+            <a:r>
+              <a:rPr lang="en-IN" altLang="en-US" sz="2800" dirty="0"/>
+              <a:t>(2 of 2)</a:t>
+            </a:r>
+            <a:endParaRPr lang="en-US" dirty="0"/>
+          </a:p>
+        </p:txBody>
+      </p:sp>
+      <p:sp>
+        <p:nvSpPr>
+          <p:cNvPr id="3" name="Content Placeholder 2"/>
+          <p:cNvSpPr>
+            <a:spLocks noGrp="1"/>
+          </p:cNvSpPr>
+          <p:nvPr>
+            <p:ph idx="1"/>
+          </p:nvPr>
+        </p:nvSpPr>
+        <p:spPr>
+          <a:xfrm>
+            <a:off x="456154" y="762000"/>
+            <a:ext cx="8153400" cy="5024452"/>
+          </a:xfrm>
+        </p:spPr>
+        <p:txBody>
+          <a:bodyPr wrap="square">
+            <a:spAutoFit/>
+          </a:bodyPr>
+          <a:lstStyle/>
+          <a:p>
+            <a:pPr marL="714375" indent="-714375">
+              <a:buClr>
+                <a:schemeClr val="lt1"/>
+              </a:buClr>
+              <a:buSzPct val="25000"/>
+              <a:buNone/>
+              <a:tabLst>
+                <a:tab pos="714375" algn="l"/>
+              </a:tabLst>
+            </a:pPr>
+            <a:r>
+              <a:rPr lang="en-US" sz="2400" b="1" dirty="0">
+                <a:solidFill>
+                  <a:srgbClr val="007FA3"/>
+                </a:solidFill>
+              </a:rPr>
+              <a:t>9.6</a:t>
+            </a:r>
+            <a:r>
+              <a:rPr lang="en-US" sz="2400" dirty="0"/>
+              <a:t> 	Become familiar with in-memory analytics and Spark applications</a:t>
+            </a:r>
+          </a:p>
+          <a:p>
+            <a:pPr marL="714375" indent="-714375">
+              <a:buClr>
+                <a:schemeClr val="lt1"/>
+              </a:buClr>
+              <a:buSzPct val="25000"/>
+              <a:buNone/>
+              <a:tabLst>
+                <a:tab pos="714375" algn="l"/>
+              </a:tabLst>
+            </a:pPr>
+            <a:r>
+              <a:rPr lang="en-US" sz="2400" b="1" dirty="0">
+                <a:solidFill>
+                  <a:srgbClr val="007FA3"/>
+                </a:solidFill>
+              </a:rPr>
+              <a:t>9.7</a:t>
+            </a:r>
+            <a:r>
+              <a:rPr lang="en-US" sz="2400" b="1" dirty="0">
+                <a:solidFill>
+                  <a:schemeClr val="accent1"/>
+                </a:solidFill>
+              </a:rPr>
+              <a:t> 	</a:t>
+            </a:r>
+            <a:r>
+              <a:rPr lang="en-US" sz="2400" dirty="0"/>
+              <a:t>Become familiar with select Big Data platforms and services</a:t>
+            </a:r>
+          </a:p>
+          <a:p>
+            <a:pPr marL="714375" indent="-714375">
+              <a:buClr>
+                <a:schemeClr val="lt1"/>
+              </a:buClr>
+              <a:buSzPct val="25000"/>
+              <a:buNone/>
+              <a:tabLst>
+                <a:tab pos="714375" algn="l"/>
+              </a:tabLst>
+            </a:pPr>
+            <a:r>
+              <a:rPr lang="en-US" sz="2400" b="1" dirty="0">
+                <a:solidFill>
+                  <a:srgbClr val="007FA3"/>
+                </a:solidFill>
+              </a:rPr>
+              <a:t>9.8</a:t>
+            </a:r>
+            <a:r>
+              <a:rPr lang="en-US" sz="2400" dirty="0"/>
+              <a:t> 	Understand the need for and appreciate the capabilities of stream analytics</a:t>
+            </a:r>
+          </a:p>
+          <a:p>
+            <a:pPr marL="0" lvl="0" indent="0">
+              <a:buClr>
+                <a:schemeClr val="lt1"/>
+              </a:buClr>
+              <a:buSzPct val="25000"/>
+              <a:buNone/>
+              <a:tabLst>
+                <a:tab pos="714375" algn="l"/>
+              </a:tabLst>
+            </a:pPr>
+            <a:r>
+              <a:rPr lang="en-US" sz="2400" b="1" dirty="0">
+                <a:solidFill>
+                  <a:srgbClr val="007FA3"/>
+                </a:solidFill>
+              </a:rPr>
+              <a:t>9.9</a:t>
+            </a:r>
+            <a:r>
+              <a:rPr lang="en-US" sz="2400" b="1" dirty="0">
+                <a:solidFill>
+                  <a:schemeClr val="accent1"/>
+                </a:solidFill>
+              </a:rPr>
+              <a:t> 	</a:t>
+            </a:r>
+            <a:r>
+              <a:rPr lang="en-US" sz="2400" dirty="0"/>
+              <a:t>Learn about the applications of stream analytics</a:t>
+            </a:r>
+          </a:p>
+          <a:p>
+            <a:pPr marL="714375" lvl="0" indent="-714375">
+              <a:buClr>
+                <a:schemeClr val="lt1"/>
+              </a:buClr>
+              <a:buSzPct val="25000"/>
+              <a:buNone/>
+              <a:tabLst>
+                <a:tab pos="714375" algn="l"/>
+              </a:tabLst>
+            </a:pPr>
+            <a:r>
+              <a:rPr lang="en-US" sz="2400" b="1" dirty="0">
+                <a:solidFill>
+                  <a:srgbClr val="007FA3"/>
+                </a:solidFill>
+              </a:rPr>
+              <a:t>9.10</a:t>
+            </a:r>
+            <a:r>
+              <a:rPr lang="en-US" sz="2400" dirty="0"/>
+              <a:t> Describe the current and future use of cloud  computing in business analytics</a:t>
+            </a:r>
+          </a:p>
+          <a:p>
+            <a:pPr marL="714375" indent="-714375">
+              <a:buClr>
+                <a:schemeClr val="lt1"/>
+              </a:buClr>
+              <a:buSzPct val="25000"/>
+              <a:buNone/>
+              <a:tabLst>
+                <a:tab pos="714375" algn="l"/>
+              </a:tabLst>
+            </a:pPr>
+            <a:r>
+              <a:rPr lang="en-US" sz="2400" b="1" dirty="0">
+                <a:solidFill>
+                  <a:srgbClr val="007FA3"/>
+                </a:solidFill>
+              </a:rPr>
+              <a:t>9.11</a:t>
+            </a:r>
+            <a:r>
+              <a:rPr lang="en-US" sz="2400" dirty="0"/>
+              <a:t> Describe how geospatial and location-based analytics are assisting organizations</a:t>
+            </a:r>
+          </a:p>
+        </p:txBody>
+      </p:sp>
+    </p:spTree>
+    <p:extLst>
+      <p:ext uri="{BB962C8B-B14F-4D97-AF65-F5344CB8AC3E}">
+        <p14:creationId xmlns:p14="http://schemas.microsoft.com/office/powerpoint/2010/main" val="244231195"/>
+      </p:ext>
+    </p:extLst>
+  </p:cSld>
+  <p:clrMapOvr>
+    <a:masterClrMapping/>
+  </p:clrMapOvr>
+</p:sld>
+</file>
+
+<file path=ppt/slides/slide30.xml><?xml version="1.0" encoding="utf-8"?>
+<p:sld xmlns:a="http://schemas.openxmlformats.org/drawingml/2006/main" xmlns:r="http://schemas.openxmlformats.org/officeDocument/2006/relationships" xmlns:p="http://schemas.openxmlformats.org/presentationml/2006/main">
+  <p:cSld>
+    <p:spTree>
+      <p:nvGrpSpPr>
+        <p:cNvPr id="1" name=""/>
+        <p:cNvGrpSpPr/>
+        <p:nvPr/>
+      </p:nvGrpSpPr>
+      <p:grpSpPr>
+        <a:xfrm>
+          <a:off x="0" y="0"/>
+          <a:ext cx="0" cy="0"/>
+          <a:chOff x="0" y="0"/>
+          <a:chExt cx="0" cy="0"/>
+        </a:xfrm>
+      </p:grpSpPr>
+      <p:sp>
+        <p:nvSpPr>
+          <p:cNvPr id="2" name="Title 1"/>
+          <p:cNvSpPr>
+            <a:spLocks noGrp="1"/>
+          </p:cNvSpPr>
+          <p:nvPr>
+            <p:ph type="title"/>
+          </p:nvPr>
+        </p:nvSpPr>
+        <p:spPr>
+          <a:xfrm>
             <a:off x="457200" y="72854"/>
             <a:ext cx="8153400" cy="553998"/>
           </a:xfrm>
@@ -16765,7 +15724,7 @@
 </p:sld>
 </file>
 
-<file path=ppt/slides/slide35.xml><?xml version="1.0" encoding="utf-8"?>
+<file path=ppt/slides/slide31.xml><?xml version="1.0" encoding="utf-8"?>
 <p:sld xmlns:a="http://schemas.openxmlformats.org/drawingml/2006/main" xmlns:r="http://schemas.openxmlformats.org/officeDocument/2006/relationships" xmlns:p="http://schemas.openxmlformats.org/presentationml/2006/main">
   <p:cSld>
     <p:spTree>
@@ -16912,7 +15871,7 @@
 </p:sld>
 </file>
 
-<file path=ppt/slides/slide36.xml><?xml version="1.0" encoding="utf-8"?>
+<file path=ppt/slides/slide32.xml><?xml version="1.0" encoding="utf-8"?>
 <p:sld xmlns:a="http://schemas.openxmlformats.org/drawingml/2006/main" xmlns:r="http://schemas.openxmlformats.org/officeDocument/2006/relationships" xmlns:p="http://schemas.openxmlformats.org/presentationml/2006/main">
   <p:cSld>
     <p:spTree>
@@ -17059,7 +16018,7 @@
 </p:sld>
 </file>
 
-<file path=ppt/slides/slide37.xml><?xml version="1.0" encoding="utf-8"?>
+<file path=ppt/slides/slide33.xml><?xml version="1.0" encoding="utf-8"?>
 <p:sld xmlns:a="http://schemas.openxmlformats.org/drawingml/2006/main" xmlns:r="http://schemas.openxmlformats.org/officeDocument/2006/relationships" xmlns:p="http://schemas.openxmlformats.org/presentationml/2006/main">
   <p:cSld>
     <p:spTree>
@@ -17289,7 +16248,7 @@
 </p:sld>
 </file>
 
-<file path=ppt/slides/slide38.xml><?xml version="1.0" encoding="utf-8"?>
+<file path=ppt/slides/slide34.xml><?xml version="1.0" encoding="utf-8"?>
 <p:sld xmlns:a="http://schemas.openxmlformats.org/drawingml/2006/main" xmlns:r="http://schemas.openxmlformats.org/officeDocument/2006/relationships" xmlns:p="http://schemas.openxmlformats.org/presentationml/2006/main">
   <p:cSld>
     <p:spTree>
@@ -17484,7 +16443,7 @@
 </p:sld>
 </file>
 
-<file path=ppt/slides/slide39.xml><?xml version="1.0" encoding="utf-8"?>
+<file path=ppt/slides/slide35.xml><?xml version="1.0" encoding="utf-8"?>
 <p:sld xmlns:a="http://schemas.openxmlformats.org/drawingml/2006/main" xmlns:r="http://schemas.openxmlformats.org/officeDocument/2006/relationships" xmlns:p="http://schemas.openxmlformats.org/presentationml/2006/main">
   <p:cSld>
     <p:spTree>
@@ -17717,7 +16676,7 @@
 </p:sld>
 </file>
 
-<file path=ppt/slides/slide4.xml><?xml version="1.0" encoding="utf-8"?>
+<file path=ppt/slides/slide36.xml><?xml version="1.0" encoding="utf-8"?>
 <p:sld xmlns:a="http://schemas.openxmlformats.org/drawingml/2006/main" xmlns:r="http://schemas.openxmlformats.org/officeDocument/2006/relationships" xmlns:p="http://schemas.openxmlformats.org/presentationml/2006/main">
   <p:cSld>
     <p:spTree>
@@ -17746,220 +16705,6 @@
         </p:nvSpPr>
         <p:spPr>
           <a:xfrm>
-            <a:off x="457200" y="73997"/>
-            <a:ext cx="8153400" cy="553998"/>
-          </a:xfrm>
-        </p:spPr>
-        <p:txBody>
-          <a:bodyPr wrap="square">
-            <a:spAutoFit/>
-          </a:bodyPr>
-          <a:lstStyle/>
-          <a:p>
-            <a:r>
-              <a:rPr lang="en-US" sz="3600" dirty="0">
-                <a:latin typeface="+mj-lt"/>
-              </a:rPr>
-              <a:t>Opening Vignette </a:t>
-            </a:r>
-            <a:r>
-              <a:rPr lang="en-US" sz="2800" dirty="0">
-                <a:latin typeface="+mj-lt"/>
-              </a:rPr>
-              <a:t>(1 of 4)</a:t>
-            </a:r>
-            <a:endParaRPr lang="en-US" sz="3600" dirty="0">
-              <a:latin typeface="+mj-lt"/>
-            </a:endParaRPr>
-          </a:p>
-        </p:txBody>
-      </p:sp>
-      <p:sp>
-        <p:nvSpPr>
-          <p:cNvPr id="3" name="Content Placeholder 2"/>
-          <p:cNvSpPr>
-            <a:spLocks noGrp="1"/>
-          </p:cNvSpPr>
-          <p:nvPr>
-            <p:ph idx="1"/>
-          </p:nvPr>
-        </p:nvSpPr>
-        <p:spPr>
-          <a:xfrm>
-            <a:off x="457200" y="714375"/>
-            <a:ext cx="8153400" cy="861774"/>
-          </a:xfrm>
-        </p:spPr>
-        <p:txBody>
-          <a:bodyPr wrap="square">
-            <a:spAutoFit/>
-          </a:bodyPr>
-          <a:lstStyle/>
-          <a:p>
-            <a:pPr marL="0" lvl="0" indent="0">
-              <a:spcBef>
-                <a:spcPts val="0"/>
-              </a:spcBef>
-              <a:buClr>
-                <a:schemeClr val="lt1"/>
-              </a:buClr>
-              <a:buSzPct val="25000"/>
-              <a:buNone/>
-              <a:tabLst>
-                <a:tab pos="628650" algn="l"/>
-              </a:tabLst>
-            </a:pPr>
-            <a:r>
-              <a:rPr lang="en-IN" sz="2800" b="1" dirty="0" err="1">
-                <a:solidFill>
-                  <a:srgbClr val="007FA3"/>
-                </a:solidFill>
-              </a:rPr>
-              <a:t>Analyzing</a:t>
-            </a:r>
-            <a:r>
-              <a:rPr lang="en-IN" sz="2800" b="1" dirty="0">
-                <a:solidFill>
-                  <a:srgbClr val="007FA3"/>
-                </a:solidFill>
-              </a:rPr>
-              <a:t> Customer Churn in a Telecom Company Using Big Data Methods </a:t>
-            </a:r>
-            <a:endParaRPr lang="en-US" sz="2800" b="1" dirty="0"/>
-          </a:p>
-        </p:txBody>
-      </p:sp>
-      <p:sp>
-        <p:nvSpPr>
-          <p:cNvPr id="4" name="Content Placeholder 3"/>
-          <p:cNvSpPr>
-            <a:spLocks noGrp="1"/>
-          </p:cNvSpPr>
-          <p:nvPr>
-            <p:ph idx="13"/>
-          </p:nvPr>
-        </p:nvSpPr>
-        <p:spPr>
-          <a:xfrm>
-            <a:off x="457200" y="1943100"/>
-            <a:ext cx="8153400" cy="4070345"/>
-          </a:xfrm>
-        </p:spPr>
-        <p:txBody>
-          <a:bodyPr>
-            <a:spAutoFit/>
-          </a:bodyPr>
-          <a:lstStyle/>
-          <a:p>
-            <a:pPr>
-              <a:buSzPct val="100000"/>
-            </a:pPr>
-            <a:r>
-              <a:rPr lang="en-US" sz="2400" dirty="0"/>
-              <a:t>Telecom – a highly competitive market segment  </a:t>
-            </a:r>
-          </a:p>
-          <a:p>
-            <a:pPr>
-              <a:buSzPct val="100000"/>
-            </a:pPr>
-            <a:r>
-              <a:rPr lang="en-US" sz="2400" dirty="0"/>
-              <a:t>Customer churn rate is higher than most other markets</a:t>
-            </a:r>
-          </a:p>
-          <a:p>
-            <a:pPr>
-              <a:buSzPct val="100000"/>
-            </a:pPr>
-            <a:r>
-              <a:rPr lang="en-US" sz="2400" dirty="0"/>
-              <a:t>A good example of Big Data analytics</a:t>
-            </a:r>
-          </a:p>
-          <a:p>
-            <a:pPr>
-              <a:buSzPct val="100000"/>
-            </a:pPr>
-            <a:r>
-              <a:rPr lang="en-US" sz="2400" dirty="0"/>
-              <a:t>Challenges</a:t>
-            </a:r>
-          </a:p>
-          <a:p>
-            <a:pPr marL="623888" lvl="1" indent="-342900">
-              <a:buSzPct val="100000"/>
-            </a:pPr>
-            <a:r>
-              <a:rPr lang="en-US" sz="2400" dirty="0"/>
-              <a:t>Data from multiple sources</a:t>
-            </a:r>
-          </a:p>
-          <a:p>
-            <a:pPr marL="623888" lvl="1" indent="-342900">
-              <a:buSzPct val="100000"/>
-            </a:pPr>
-            <a:r>
-              <a:rPr lang="en-US" sz="2400" dirty="0"/>
-              <a:t>Data volume is higher than usual</a:t>
-            </a:r>
-          </a:p>
-          <a:p>
-            <a:r>
-              <a:rPr lang="en-US" sz="2400" dirty="0"/>
-              <a:t>Solution</a:t>
-            </a:r>
-          </a:p>
-          <a:p>
-            <a:r>
-              <a:rPr lang="en-US" sz="2400" dirty="0"/>
-              <a:t>Results</a:t>
-            </a:r>
-          </a:p>
-        </p:txBody>
-      </p:sp>
-    </p:spTree>
-    <p:extLst>
-      <p:ext uri="{BB962C8B-B14F-4D97-AF65-F5344CB8AC3E}">
-        <p14:creationId xmlns:p14="http://schemas.microsoft.com/office/powerpoint/2010/main" val="553408860"/>
-      </p:ext>
-    </p:extLst>
-  </p:cSld>
-  <p:clrMapOvr>
-    <a:masterClrMapping/>
-  </p:clrMapOvr>
-</p:sld>
-</file>
-
-<file path=ppt/slides/slide40.xml><?xml version="1.0" encoding="utf-8"?>
-<p:sld xmlns:a="http://schemas.openxmlformats.org/drawingml/2006/main" xmlns:r="http://schemas.openxmlformats.org/officeDocument/2006/relationships" xmlns:p="http://schemas.openxmlformats.org/presentationml/2006/main">
-  <p:cSld>
-    <p:spTree>
-      <p:nvGrpSpPr>
-        <p:cNvPr id="1" name=""/>
-        <p:cNvGrpSpPr/>
-        <p:nvPr/>
-      </p:nvGrpSpPr>
-      <p:grpSpPr>
-        <a:xfrm>
-          <a:off x="0" y="0"/>
-          <a:ext cx="0" cy="0"/>
-          <a:chOff x="0" y="0"/>
-          <a:chExt cx="0" cy="0"/>
-        </a:xfrm>
-      </p:grpSpPr>
-      <p:sp>
-        <p:nvSpPr>
-          <p:cNvPr id="2" name="Title 1"/>
-          <p:cNvSpPr>
-            <a:spLocks noGrp="1"/>
-          </p:cNvSpPr>
-          <p:nvPr>
-            <p:ph type="title"/>
-          </p:nvPr>
-        </p:nvSpPr>
-        <p:spPr>
-          <a:xfrm>
             <a:off x="457200" y="69929"/>
             <a:ext cx="8153400" cy="1107996"/>
           </a:xfrm>
@@ -18082,7 +16827,7 @@
 </p:sld>
 </file>
 
-<file path=ppt/slides/slide41.xml><?xml version="1.0" encoding="utf-8"?>
+<file path=ppt/slides/slide37.xml><?xml version="1.0" encoding="utf-8"?>
 <p:sld xmlns:a="http://schemas.openxmlformats.org/drawingml/2006/main" xmlns:r="http://schemas.openxmlformats.org/officeDocument/2006/relationships" xmlns:p="http://schemas.openxmlformats.org/presentationml/2006/main">
   <p:cSld>
     <p:spTree>
@@ -18307,7 +17052,7 @@
 </p:sld>
 </file>
 
-<file path=ppt/slides/slide42.xml><?xml version="1.0" encoding="utf-8"?>
+<file path=ppt/slides/slide38.xml><?xml version="1.0" encoding="utf-8"?>
 <p:sld xmlns:a="http://schemas.openxmlformats.org/drawingml/2006/main" xmlns:r="http://schemas.openxmlformats.org/officeDocument/2006/relationships" xmlns:p="http://schemas.openxmlformats.org/presentationml/2006/main">
   <p:cSld>
     <p:spTree>
@@ -18513,7 +17258,7 @@
 </p:sld>
 </file>
 
-<file path=ppt/slides/slide43.xml><?xml version="1.0" encoding="utf-8"?>
+<file path=ppt/slides/slide39.xml><?xml version="1.0" encoding="utf-8"?>
 <p:sld xmlns:a="http://schemas.openxmlformats.org/drawingml/2006/main" xmlns:r="http://schemas.openxmlformats.org/officeDocument/2006/relationships" xmlns:p="http://schemas.openxmlformats.org/presentationml/2006/main">
   <p:cSld>
     <p:spTree>
@@ -18679,7 +17424,7 @@
 </p:sld>
 </file>
 
-<file path=ppt/slides/slide44.xml><?xml version="1.0" encoding="utf-8"?>
+<file path=ppt/slides/slide4.xml><?xml version="1.0" encoding="utf-8"?>
 <p:sld xmlns:a="http://schemas.openxmlformats.org/drawingml/2006/main" xmlns:r="http://schemas.openxmlformats.org/officeDocument/2006/relationships" xmlns:p="http://schemas.openxmlformats.org/presentationml/2006/main">
   <p:cSld>
     <p:spTree>
@@ -18708,6 +17453,166 @@
         </p:nvSpPr>
         <p:spPr>
           <a:xfrm>
+            <a:off x="457200" y="70592"/>
+            <a:ext cx="8153400" cy="984885"/>
+          </a:xfrm>
+        </p:spPr>
+        <p:txBody>
+          <a:bodyPr wrap="square">
+            <a:spAutoFit/>
+          </a:bodyPr>
+          <a:lstStyle/>
+          <a:p>
+            <a:r>
+              <a:rPr lang="en-IN" sz="3600" dirty="0">
+                <a:latin typeface="+mj-lt"/>
+              </a:rPr>
+              <a:t>Big Data - Definition and Concepts    </a:t>
+            </a:r>
+            <a:r>
+              <a:rPr lang="en-IN" sz="2800" dirty="0">
+                <a:latin typeface="+mj-lt"/>
+              </a:rPr>
+              <a:t>(1 of 2)</a:t>
+            </a:r>
+            <a:endParaRPr lang="en-US" sz="3600" dirty="0">
+              <a:latin typeface="+mj-lt"/>
+            </a:endParaRPr>
+          </a:p>
+        </p:txBody>
+      </p:sp>
+      <p:sp>
+        <p:nvSpPr>
+          <p:cNvPr id="6" name="Content Placeholder 5"/>
+          <p:cNvSpPr>
+            <a:spLocks noGrp="1"/>
+          </p:cNvSpPr>
+          <p:nvPr>
+            <p:ph idx="13"/>
+          </p:nvPr>
+        </p:nvSpPr>
+        <p:spPr>
+          <a:xfrm>
+            <a:off x="457200" y="1368977"/>
+            <a:ext cx="8153400" cy="4921377"/>
+          </a:xfrm>
+        </p:spPr>
+        <p:txBody>
+          <a:bodyPr wrap="square">
+            <a:spAutoFit/>
+          </a:bodyPr>
+          <a:lstStyle/>
+          <a:p>
+            <a:pPr marL="266700" indent="-266700"/>
+            <a:r>
+              <a:rPr lang="en-US" sz="2400" dirty="0"/>
+              <a:t>Big Data means different things to people with different backgrounds and interests </a:t>
+            </a:r>
+          </a:p>
+          <a:p>
+            <a:pPr marL="266700" indent="-266700"/>
+            <a:r>
+              <a:rPr lang="en-US" sz="2400" dirty="0"/>
+              <a:t>Traditionally, “Big Data” = massive volumes of data </a:t>
+            </a:r>
+          </a:p>
+          <a:p>
+            <a:pPr marL="714375" lvl="1" indent="-266700" defTabSz="714375"/>
+            <a:r>
+              <a:rPr lang="en-US" sz="2400" dirty="0"/>
+              <a:t>E.g., volume of data at </a:t>
+            </a:r>
+            <a:r>
+              <a:rPr lang="en-US" sz="2400" spc="-300" dirty="0"/>
+              <a:t>C E R </a:t>
+            </a:r>
+            <a:r>
+              <a:rPr lang="en-US" sz="2400" dirty="0"/>
+              <a:t>N, </a:t>
+            </a:r>
+            <a:r>
+              <a:rPr lang="en-US" sz="2400" spc="-300" dirty="0"/>
+              <a:t>N A S </a:t>
+            </a:r>
+            <a:r>
+              <a:rPr lang="en-US" sz="2400" dirty="0"/>
+              <a:t>A, Google, …</a:t>
+            </a:r>
+          </a:p>
+          <a:p>
+            <a:pPr marL="266700" indent="-266700"/>
+            <a:r>
+              <a:rPr lang="en-US" sz="2400" dirty="0"/>
+              <a:t>Where does the Big Data come from?</a:t>
+            </a:r>
+          </a:p>
+          <a:p>
+            <a:pPr marL="714375" lvl="1" indent="-266700"/>
+            <a:r>
+              <a:rPr lang="en-US" sz="2400" dirty="0"/>
+              <a:t>Everywhere! Web logs, </a:t>
+            </a:r>
+            <a:r>
+              <a:rPr lang="en-US" sz="2400" spc="-300" dirty="0"/>
+              <a:t>R F I </a:t>
+            </a:r>
+            <a:r>
+              <a:rPr lang="en-US" sz="2400" dirty="0"/>
+              <a:t>D, </a:t>
+            </a:r>
+            <a:r>
+              <a:rPr lang="en-US" sz="2400" spc="-300" dirty="0"/>
+              <a:t>G P </a:t>
+            </a:r>
+            <a:r>
+              <a:rPr lang="en-US" sz="2400" dirty="0"/>
+              <a:t>S systems, sensor networks, social networks, Internet-based text documents, Internet search indexes, detail call records, astronomy, atmospheric science, biology, genomics, nuclear physics, biochemical experiments, medical records, scientific research, military surveillance, multimedia archives, …</a:t>
+            </a:r>
+          </a:p>
+        </p:txBody>
+      </p:sp>
+    </p:spTree>
+    <p:extLst>
+      <p:ext uri="{BB962C8B-B14F-4D97-AF65-F5344CB8AC3E}">
+        <p14:creationId xmlns:p14="http://schemas.microsoft.com/office/powerpoint/2010/main" val="1896948636"/>
+      </p:ext>
+    </p:extLst>
+  </p:cSld>
+  <p:clrMapOvr>
+    <a:masterClrMapping/>
+  </p:clrMapOvr>
+</p:sld>
+</file>
+
+<file path=ppt/slides/slide40.xml><?xml version="1.0" encoding="utf-8"?>
+<p:sld xmlns:a="http://schemas.openxmlformats.org/drawingml/2006/main" xmlns:r="http://schemas.openxmlformats.org/officeDocument/2006/relationships" xmlns:p="http://schemas.openxmlformats.org/presentationml/2006/main">
+  <p:cSld>
+    <p:spTree>
+      <p:nvGrpSpPr>
+        <p:cNvPr id="1" name=""/>
+        <p:cNvGrpSpPr/>
+        <p:nvPr/>
+      </p:nvGrpSpPr>
+      <p:grpSpPr>
+        <a:xfrm>
+          <a:off x="0" y="0"/>
+          <a:ext cx="0" cy="0"/>
+          <a:chOff x="0" y="0"/>
+          <a:chExt cx="0" cy="0"/>
+        </a:xfrm>
+      </p:grpSpPr>
+      <p:sp>
+        <p:nvSpPr>
+          <p:cNvPr id="2" name="Title 1"/>
+          <p:cNvSpPr>
+            <a:spLocks noGrp="1"/>
+          </p:cNvSpPr>
+          <p:nvPr>
+            <p:ph type="title"/>
+          </p:nvPr>
+        </p:nvSpPr>
+        <p:spPr>
+          <a:xfrm>
             <a:off x="457200" y="68302"/>
             <a:ext cx="8153400" cy="553998"/>
           </a:xfrm>
@@ -18845,7 +17750,7 @@
 </p:sld>
 </file>
 
-<file path=ppt/slides/slide45.xml><?xml version="1.0" encoding="utf-8"?>
+<file path=ppt/slides/slide41.xml><?xml version="1.0" encoding="utf-8"?>
 <p:sld xmlns:a="http://schemas.openxmlformats.org/drawingml/2006/main" xmlns:r="http://schemas.openxmlformats.org/officeDocument/2006/relationships" xmlns:p="http://schemas.openxmlformats.org/presentationml/2006/main">
   <p:cSld>
     <p:spTree>
@@ -18997,7 +17902,7 @@
 </p:sld>
 </file>
 
-<file path=ppt/slides/slide46.xml><?xml version="1.0" encoding="utf-8"?>
+<file path=ppt/slides/slide42.xml><?xml version="1.0" encoding="utf-8"?>
 <p:sld xmlns:a="http://schemas.openxmlformats.org/drawingml/2006/main" xmlns:r="http://schemas.openxmlformats.org/officeDocument/2006/relationships" xmlns:p="http://schemas.openxmlformats.org/presentationml/2006/main">
   <p:cSld>
     <p:spTree>
@@ -19090,7 +17995,7 @@
 </p:sld>
 </file>
 
-<file path=ppt/slides/slide47.xml><?xml version="1.0" encoding="utf-8"?>
+<file path=ppt/slides/slide43.xml><?xml version="1.0" encoding="utf-8"?>
 <p:sld xmlns:a="http://schemas.openxmlformats.org/drawingml/2006/main" xmlns:r="http://schemas.openxmlformats.org/officeDocument/2006/relationships" xmlns:p="http://schemas.openxmlformats.org/presentationml/2006/main">
   <p:cSld>
     <p:spTree>
@@ -19408,878 +18313,6 @@
 </file>
 
 <file path=ppt/slides/slide5.xml><?xml version="1.0" encoding="utf-8"?>
-<p:sld xmlns:a="http://schemas.openxmlformats.org/drawingml/2006/main" xmlns:r="http://schemas.openxmlformats.org/officeDocument/2006/relationships" xmlns:p="http://schemas.openxmlformats.org/presentationml/2006/main">
-  <p:cSld>
-    <p:spTree>
-      <p:nvGrpSpPr>
-        <p:cNvPr id="1" name=""/>
-        <p:cNvGrpSpPr/>
-        <p:nvPr/>
-      </p:nvGrpSpPr>
-      <p:grpSpPr>
-        <a:xfrm>
-          <a:off x="0" y="0"/>
-          <a:ext cx="0" cy="0"/>
-          <a:chOff x="0" y="0"/>
-          <a:chExt cx="0" cy="0"/>
-        </a:xfrm>
-      </p:grpSpPr>
-      <p:sp>
-        <p:nvSpPr>
-          <p:cNvPr id="2" name="Title 1"/>
-          <p:cNvSpPr>
-            <a:spLocks noGrp="1"/>
-          </p:cNvSpPr>
-          <p:nvPr>
-            <p:ph type="title"/>
-          </p:nvPr>
-        </p:nvSpPr>
-        <p:spPr>
-          <a:xfrm>
-            <a:off x="457200" y="74652"/>
-            <a:ext cx="8153400" cy="553998"/>
-          </a:xfrm>
-        </p:spPr>
-        <p:txBody>
-          <a:bodyPr wrap="square">
-            <a:spAutoFit/>
-          </a:bodyPr>
-          <a:lstStyle/>
-          <a:p>
-            <a:r>
-              <a:rPr lang="en-US" sz="3600" dirty="0">
-                <a:latin typeface="+mj-lt"/>
-              </a:rPr>
-              <a:t>Opening Vignette </a:t>
-            </a:r>
-            <a:r>
-              <a:rPr lang="en-US" sz="2800" dirty="0">
-                <a:latin typeface="+mj-lt"/>
-              </a:rPr>
-              <a:t>(2 of 4)</a:t>
-            </a:r>
-            <a:endParaRPr lang="en-US" sz="3600" dirty="0">
-              <a:latin typeface="+mj-lt"/>
-            </a:endParaRPr>
-          </a:p>
-        </p:txBody>
-      </p:sp>
-      <p:sp>
-        <p:nvSpPr>
-          <p:cNvPr id="3" name="Content Placeholder 2"/>
-          <p:cNvSpPr>
-            <a:spLocks noGrp="1"/>
-          </p:cNvSpPr>
-          <p:nvPr>
-            <p:ph idx="1"/>
-          </p:nvPr>
-        </p:nvSpPr>
-        <p:spPr>
-          <a:xfrm>
-            <a:off x="457200" y="709851"/>
-            <a:ext cx="8153400" cy="861774"/>
-          </a:xfrm>
-        </p:spPr>
-        <p:txBody>
-          <a:bodyPr wrap="square">
-            <a:spAutoFit/>
-          </a:bodyPr>
-          <a:lstStyle/>
-          <a:p>
-            <a:pPr marL="0" lvl="0" indent="0">
-              <a:spcBef>
-                <a:spcPts val="0"/>
-              </a:spcBef>
-              <a:buClr>
-                <a:schemeClr val="lt1"/>
-              </a:buClr>
-              <a:buSzPct val="25000"/>
-              <a:buNone/>
-              <a:tabLst>
-                <a:tab pos="628650" algn="l"/>
-              </a:tabLst>
-            </a:pPr>
-            <a:r>
-              <a:rPr lang="en-IN" sz="2800" b="1" dirty="0" err="1">
-                <a:solidFill>
-                  <a:srgbClr val="007FA3"/>
-                </a:solidFill>
-              </a:rPr>
-              <a:t>Analyzing</a:t>
-            </a:r>
-            <a:r>
-              <a:rPr lang="en-IN" sz="2800" b="1" dirty="0">
-                <a:solidFill>
-                  <a:srgbClr val="007FA3"/>
-                </a:solidFill>
-              </a:rPr>
-              <a:t> Customer Churn in a Telecom Company Using Big Data Methods </a:t>
-            </a:r>
-            <a:endParaRPr lang="en-US" sz="2800" b="1" dirty="0"/>
-          </a:p>
-        </p:txBody>
-      </p:sp>
-      <p:sp>
-        <p:nvSpPr>
-          <p:cNvPr id="6" name="Content Placeholder 5"/>
-          <p:cNvSpPr>
-            <a:spLocks noGrp="1"/>
-          </p:cNvSpPr>
-          <p:nvPr>
-            <p:ph idx="13"/>
-          </p:nvPr>
-        </p:nvSpPr>
-        <p:spPr>
-          <a:xfrm>
-            <a:off x="457200" y="1658779"/>
-            <a:ext cx="8153400" cy="246221"/>
-          </a:xfrm>
-        </p:spPr>
-        <p:txBody>
-          <a:bodyPr wrap="square">
-            <a:spAutoFit/>
-          </a:bodyPr>
-          <a:lstStyle/>
-          <a:p>
-            <a:pPr marL="0" indent="0">
-              <a:buNone/>
-            </a:pPr>
-            <a:r>
-              <a:rPr lang="en-US" b="1" dirty="0"/>
-              <a:t>Figure 9.1</a:t>
-            </a:r>
-            <a:r>
-              <a:rPr lang="en-US" dirty="0"/>
-              <a:t> Multiple Data Sources Integrated into Teradata Vantage.</a:t>
-            </a:r>
-            <a:endParaRPr lang="en-IN" dirty="0"/>
-          </a:p>
-        </p:txBody>
-      </p:sp>
-      <p:pic>
-        <p:nvPicPr>
-          <p:cNvPr id="10" name="Picture 2" descr="The illustration of a central processing unit of a computer at the top represents Teradata Aster. Below this, 3 illustrations represent 3 data sources as follows:&#10;• Callcenter Data: An illustration of a woman at a desk wearing a headset accompanies the text: HCatalog metadata and data on H D F S. An arrow labeled S Q L hyphen H connector leads from this illustration to Teradata Aster. &#10;• Online Data: An illustration of a desktop computer on a round table accompanies the text: Data on ASTER. An arrow from this illustration leads to Teradata Aster. &#10;• Store Data: An illustration of a storefront on a round platform accompanies the text: Data on TERADATA. An arrow labeled Load from Teradata leads from this illustration to Teradata Aster."/>
-          <p:cNvPicPr>
-            <a:picLocks noChangeAspect="1" noChangeArrowheads="1"/>
-          </p:cNvPicPr>
-          <p:nvPr/>
-        </p:nvPicPr>
-        <p:blipFill rotWithShape="1">
-          <a:blip r:embed="rId3">
-            <a:extLst>
-              <a:ext uri="{28A0092B-C50C-407E-A947-70E740481C1C}">
-                <a14:useLocalDpi xmlns:a14="http://schemas.microsoft.com/office/drawing/2010/main" val="0"/>
-              </a:ext>
-            </a:extLst>
-          </a:blip>
-          <a:srcRect b="2797"/>
-          <a:stretch/>
-        </p:blipFill>
-        <p:spPr bwMode="auto">
-          <a:xfrm>
-            <a:off x="2196847" y="2166805"/>
-            <a:ext cx="4732616" cy="3798871"/>
-          </a:xfrm>
-          <a:prstGeom prst="rect">
-            <a:avLst/>
-          </a:prstGeom>
-          <a:noFill/>
-          <a:extLst>
-            <a:ext uri="{909E8E84-426E-40DD-AFC4-6F175D3DCCD1}">
-              <a14:hiddenFill xmlns:a14="http://schemas.microsoft.com/office/drawing/2010/main">
-                <a:solidFill>
-                  <a:srgbClr val="FFFFFF"/>
-                </a:solidFill>
-              </a14:hiddenFill>
-            </a:ext>
-          </a:extLst>
-        </p:spPr>
-      </p:pic>
-      <p:sp>
-        <p:nvSpPr>
-          <p:cNvPr id="4" name="Content Placeholder 3"/>
-          <p:cNvSpPr>
-            <a:spLocks noGrp="1"/>
-          </p:cNvSpPr>
-          <p:nvPr>
-            <p:ph idx="14"/>
-          </p:nvPr>
-        </p:nvSpPr>
-        <p:spPr>
-          <a:xfrm>
-            <a:off x="457200" y="6068854"/>
-            <a:ext cx="8153400" cy="246221"/>
-          </a:xfrm>
-        </p:spPr>
-        <p:txBody>
-          <a:bodyPr wrap="square">
-            <a:spAutoFit/>
-          </a:bodyPr>
-          <a:lstStyle/>
-          <a:p>
-            <a:pPr marL="0" indent="0">
-              <a:buNone/>
-            </a:pPr>
-            <a:r>
-              <a:rPr lang="en-IN" i="1" dirty="0"/>
-              <a:t>Source: </a:t>
-            </a:r>
-            <a:r>
-              <a:rPr lang="en-IN" dirty="0"/>
-              <a:t>Teradata Corp.</a:t>
-            </a:r>
-          </a:p>
-        </p:txBody>
-      </p:sp>
-    </p:spTree>
-    <p:extLst>
-      <p:ext uri="{BB962C8B-B14F-4D97-AF65-F5344CB8AC3E}">
-        <p14:creationId xmlns:p14="http://schemas.microsoft.com/office/powerpoint/2010/main" val="790973788"/>
-      </p:ext>
-    </p:extLst>
-  </p:cSld>
-  <p:clrMapOvr>
-    <a:masterClrMapping/>
-  </p:clrMapOvr>
-</p:sld>
-</file>
-
-<file path=ppt/slides/slide6.xml><?xml version="1.0" encoding="utf-8"?>
-<p:sld xmlns:a="http://schemas.openxmlformats.org/drawingml/2006/main" xmlns:r="http://schemas.openxmlformats.org/officeDocument/2006/relationships" xmlns:p="http://schemas.openxmlformats.org/presentationml/2006/main">
-  <p:cSld>
-    <p:spTree>
-      <p:nvGrpSpPr>
-        <p:cNvPr id="1" name=""/>
-        <p:cNvGrpSpPr/>
-        <p:nvPr/>
-      </p:nvGrpSpPr>
-      <p:grpSpPr>
-        <a:xfrm>
-          <a:off x="0" y="0"/>
-          <a:ext cx="0" cy="0"/>
-          <a:chOff x="0" y="0"/>
-          <a:chExt cx="0" cy="0"/>
-        </a:xfrm>
-      </p:grpSpPr>
-      <p:sp>
-        <p:nvSpPr>
-          <p:cNvPr id="2" name="Title 1"/>
-          <p:cNvSpPr>
-            <a:spLocks noGrp="1"/>
-          </p:cNvSpPr>
-          <p:nvPr>
-            <p:ph type="title"/>
-          </p:nvPr>
-        </p:nvSpPr>
-        <p:spPr>
-          <a:xfrm>
-            <a:off x="457200" y="74652"/>
-            <a:ext cx="8153400" cy="553998"/>
-          </a:xfrm>
-        </p:spPr>
-        <p:txBody>
-          <a:bodyPr wrap="square">
-            <a:spAutoFit/>
-          </a:bodyPr>
-          <a:lstStyle/>
-          <a:p>
-            <a:r>
-              <a:rPr lang="en-US" sz="3600" dirty="0">
-                <a:latin typeface="+mj-lt"/>
-              </a:rPr>
-              <a:t>Opening Vignette </a:t>
-            </a:r>
-            <a:r>
-              <a:rPr lang="en-US" sz="2800" dirty="0">
-                <a:latin typeface="+mj-lt"/>
-              </a:rPr>
-              <a:t>(3 of 4)</a:t>
-            </a:r>
-            <a:endParaRPr lang="en-US" sz="3600" dirty="0">
-              <a:latin typeface="+mj-lt"/>
-            </a:endParaRPr>
-          </a:p>
-        </p:txBody>
-      </p:sp>
-      <p:sp>
-        <p:nvSpPr>
-          <p:cNvPr id="3" name="Content Placeholder 2"/>
-          <p:cNvSpPr>
-            <a:spLocks noGrp="1"/>
-          </p:cNvSpPr>
-          <p:nvPr>
-            <p:ph idx="1"/>
-          </p:nvPr>
-        </p:nvSpPr>
-        <p:spPr>
-          <a:xfrm>
-            <a:off x="457200" y="709851"/>
-            <a:ext cx="8153400" cy="861774"/>
-          </a:xfrm>
-        </p:spPr>
-        <p:txBody>
-          <a:bodyPr wrap="square">
-            <a:spAutoFit/>
-          </a:bodyPr>
-          <a:lstStyle/>
-          <a:p>
-            <a:pPr marL="0" lvl="0" indent="0">
-              <a:spcBef>
-                <a:spcPts val="0"/>
-              </a:spcBef>
-              <a:buClr>
-                <a:schemeClr val="lt1"/>
-              </a:buClr>
-              <a:buSzPct val="25000"/>
-              <a:buNone/>
-              <a:tabLst>
-                <a:tab pos="628650" algn="l"/>
-              </a:tabLst>
-            </a:pPr>
-            <a:r>
-              <a:rPr lang="en-IN" sz="2800" b="1" dirty="0" err="1">
-                <a:solidFill>
-                  <a:srgbClr val="007FA3"/>
-                </a:solidFill>
-              </a:rPr>
-              <a:t>Analyzing</a:t>
-            </a:r>
-            <a:r>
-              <a:rPr lang="en-IN" sz="2800" b="1" dirty="0">
-                <a:solidFill>
-                  <a:srgbClr val="007FA3"/>
-                </a:solidFill>
-              </a:rPr>
-              <a:t> Customer Churn in a Telecom Company Using Big Data Methods </a:t>
-            </a:r>
-            <a:endParaRPr lang="en-US" sz="2800" b="1" dirty="0"/>
-          </a:p>
-        </p:txBody>
-      </p:sp>
-      <p:sp>
-        <p:nvSpPr>
-          <p:cNvPr id="6" name="Content Placeholder 5"/>
-          <p:cNvSpPr>
-            <a:spLocks noGrp="1"/>
-          </p:cNvSpPr>
-          <p:nvPr>
-            <p:ph idx="13"/>
-          </p:nvPr>
-        </p:nvSpPr>
-        <p:spPr>
-          <a:xfrm>
-            <a:off x="457200" y="1658779"/>
-            <a:ext cx="8153400" cy="246221"/>
-          </a:xfrm>
-        </p:spPr>
-        <p:txBody>
-          <a:bodyPr wrap="square">
-            <a:spAutoFit/>
-          </a:bodyPr>
-          <a:lstStyle/>
-          <a:p>
-            <a:pPr marL="0" indent="0">
-              <a:buNone/>
-            </a:pPr>
-            <a:r>
-              <a:rPr lang="en-US" b="1" dirty="0"/>
-              <a:t>Figure 9.2 </a:t>
-            </a:r>
-            <a:r>
-              <a:rPr lang="en-US" dirty="0"/>
-              <a:t>Top 20 Paths Visualization.</a:t>
-            </a:r>
-            <a:endParaRPr lang="en-IN" dirty="0"/>
-          </a:p>
-        </p:txBody>
-      </p:sp>
-      <p:pic>
-        <p:nvPicPr>
-          <p:cNvPr id="7" name="Picture 2" descr="There are three stages in the flow diagram from left to right. Colored paths lead from one stage to the next. The possible paths are as follows:&#10;• Callcenter: Bill Dispute leads to Callcenter: Bill Dispute leads to Callcenter: Cancel Service&#10;• Callcenter: Bill Dispute leads to Callcenter: Bill Dispute leads to Store: Cancel Service&#10;• Callcenter: Bill Dispute leads to Callcenter: Cancel Service&#10;• Callcenter: Bill Dispute leads to Callcenter: Service Complaint leads to Callcenter: Cancel Service&#10;• Callcenter: Bill Dispute leads to Callcenter: Service Complaint leads to Store: Cancel Service&#10;• Callcenter: Bill Dispute leads to Online: Cancel Service&#10;• Callcenter: Bill Dispute leads to Store: Bill Dispute leads to Store: Cancel Service&#10;• Callcenter: Bill Dispute leads to Store: Cancel Service&#10;• Callcenter: Bill Dispute leads to Store: Service Complaint leads to Store: Cancel Service&#10;• Callcenter: Service Complaint leads to Callcenter: Cancel Service&#10;• Callcenter: Service Complaint leads to Online: Cancel Service&#10;• Callcenter: Service Complaint leads to Store: Cancel Service&#10;• Store: Bill Dispute leads to Callcenter: Cancel Service&#10;• Store: Bill Dispute leads to Online: Cancel Service&#10;• Store: Bill Dispute leads to Store: Cancel Service&#10;• Store: New Account leads to Store: Cancel Service&#10;• Store: Service Complaint leads to Callcenter: Bill Dispute leads to Callcenter: Cancel Service&#10;• Store: Service Complaint leads to Callcenter: Bill Dispute leads to Store: Cancel Service&#10;• Store: Service Complaint leads to Callcenter: Cancel Service&#10;• Store: Service Complaint leads to Callcenter: Service Complaint leads to Callcenter: Cancel Service&#10;• Store: Service Complaint leads to Callcenter: Service Complaint leads to Store: Cancel Service&#10;• Store: Service Complaint leads to Online: Cancel Service&#10;• Store: Service Complaint leads to Store: Cancel Service"/>
-          <p:cNvPicPr>
-            <a:picLocks noChangeAspect="1" noChangeArrowheads="1"/>
-          </p:cNvPicPr>
-          <p:nvPr/>
-        </p:nvPicPr>
-        <p:blipFill rotWithShape="1">
-          <a:blip r:embed="rId3">
-            <a:extLst>
-              <a:ext uri="{28A0092B-C50C-407E-A947-70E740481C1C}">
-                <a14:useLocalDpi xmlns:a14="http://schemas.microsoft.com/office/drawing/2010/main" val="0"/>
-              </a:ext>
-            </a:extLst>
-          </a:blip>
-          <a:srcRect b="4874"/>
-          <a:stretch/>
-        </p:blipFill>
-        <p:spPr bwMode="auto">
-          <a:xfrm>
-            <a:off x="473227" y="2141103"/>
-            <a:ext cx="8107368" cy="3878697"/>
-          </a:xfrm>
-          <a:prstGeom prst="rect">
-            <a:avLst/>
-          </a:prstGeom>
-          <a:noFill/>
-          <a:extLst>
-            <a:ext uri="{909E8E84-426E-40DD-AFC4-6F175D3DCCD1}">
-              <a14:hiddenFill xmlns:a14="http://schemas.microsoft.com/office/drawing/2010/main">
-                <a:solidFill>
-                  <a:srgbClr val="FFFFFF"/>
-                </a:solidFill>
-              </a14:hiddenFill>
-            </a:ext>
-          </a:extLst>
-        </p:spPr>
-      </p:pic>
-      <p:sp>
-        <p:nvSpPr>
-          <p:cNvPr id="4" name="Content Placeholder 3"/>
-          <p:cNvSpPr>
-            <a:spLocks noGrp="1"/>
-          </p:cNvSpPr>
-          <p:nvPr>
-            <p:ph idx="14"/>
-          </p:nvPr>
-        </p:nvSpPr>
-        <p:spPr>
-          <a:xfrm>
-            <a:off x="457200" y="6068854"/>
-            <a:ext cx="8153400" cy="246221"/>
-          </a:xfrm>
-        </p:spPr>
-        <p:txBody>
-          <a:bodyPr wrap="square">
-            <a:spAutoFit/>
-          </a:bodyPr>
-          <a:lstStyle/>
-          <a:p>
-            <a:pPr marL="0" indent="0">
-              <a:buNone/>
-            </a:pPr>
-            <a:r>
-              <a:rPr lang="en-IN" i="1" dirty="0"/>
-              <a:t>Source: </a:t>
-            </a:r>
-            <a:r>
-              <a:rPr lang="en-IN" dirty="0"/>
-              <a:t>Teradata Corp.</a:t>
-            </a:r>
-          </a:p>
-        </p:txBody>
-      </p:sp>
-    </p:spTree>
-    <p:extLst>
-      <p:ext uri="{BB962C8B-B14F-4D97-AF65-F5344CB8AC3E}">
-        <p14:creationId xmlns:p14="http://schemas.microsoft.com/office/powerpoint/2010/main" val="1231575704"/>
-      </p:ext>
-    </p:extLst>
-  </p:cSld>
-  <p:clrMapOvr>
-    <a:masterClrMapping/>
-  </p:clrMapOvr>
-</p:sld>
-</file>
-
-<file path=ppt/slides/slide7.xml><?xml version="1.0" encoding="utf-8"?>
-<p:sld xmlns:a="http://schemas.openxmlformats.org/drawingml/2006/main" xmlns:r="http://schemas.openxmlformats.org/officeDocument/2006/relationships" xmlns:p="http://schemas.openxmlformats.org/presentationml/2006/main">
-  <p:cSld>
-    <p:spTree>
-      <p:nvGrpSpPr>
-        <p:cNvPr id="1" name=""/>
-        <p:cNvGrpSpPr/>
-        <p:nvPr/>
-      </p:nvGrpSpPr>
-      <p:grpSpPr>
-        <a:xfrm>
-          <a:off x="0" y="0"/>
-          <a:ext cx="0" cy="0"/>
-          <a:chOff x="0" y="0"/>
-          <a:chExt cx="0" cy="0"/>
-        </a:xfrm>
-      </p:grpSpPr>
-      <p:sp>
-        <p:nvSpPr>
-          <p:cNvPr id="2" name="Title 1"/>
-          <p:cNvSpPr>
-            <a:spLocks noGrp="1"/>
-          </p:cNvSpPr>
-          <p:nvPr>
-            <p:ph type="title"/>
-          </p:nvPr>
-        </p:nvSpPr>
-        <p:spPr>
-          <a:xfrm>
-            <a:off x="457200" y="72854"/>
-            <a:ext cx="8153400" cy="553998"/>
-          </a:xfrm>
-        </p:spPr>
-        <p:txBody>
-          <a:bodyPr wrap="square">
-            <a:spAutoFit/>
-          </a:bodyPr>
-          <a:lstStyle/>
-          <a:p>
-            <a:r>
-              <a:rPr lang="en-US" sz="3600" dirty="0">
-                <a:latin typeface="+mj-lt"/>
-              </a:rPr>
-              <a:t>Opening Vignette </a:t>
-            </a:r>
-            <a:r>
-              <a:rPr lang="en-US" sz="2800" dirty="0">
-                <a:latin typeface="+mj-lt"/>
-              </a:rPr>
-              <a:t>(4 of 4)</a:t>
-            </a:r>
-            <a:endParaRPr lang="en-US" sz="3600" dirty="0">
-              <a:latin typeface="+mj-lt"/>
-            </a:endParaRPr>
-          </a:p>
-        </p:txBody>
-      </p:sp>
-      <p:sp>
-        <p:nvSpPr>
-          <p:cNvPr id="3" name="Content Placeholder 2"/>
-          <p:cNvSpPr>
-            <a:spLocks noGrp="1"/>
-          </p:cNvSpPr>
-          <p:nvPr>
-            <p:ph idx="1"/>
-          </p:nvPr>
-        </p:nvSpPr>
-        <p:spPr>
-          <a:xfrm>
-            <a:off x="457200" y="714375"/>
-            <a:ext cx="8153400" cy="861774"/>
-          </a:xfrm>
-        </p:spPr>
-        <p:txBody>
-          <a:bodyPr wrap="square">
-            <a:spAutoFit/>
-          </a:bodyPr>
-          <a:lstStyle/>
-          <a:p>
-            <a:pPr marL="0" lvl="0" indent="0">
-              <a:spcBef>
-                <a:spcPts val="0"/>
-              </a:spcBef>
-              <a:buClr>
-                <a:schemeClr val="lt1"/>
-              </a:buClr>
-              <a:buSzPct val="25000"/>
-              <a:buNone/>
-              <a:tabLst>
-                <a:tab pos="628650" algn="l"/>
-              </a:tabLst>
-            </a:pPr>
-            <a:r>
-              <a:rPr lang="en-IN" sz="2800" b="1" dirty="0" err="1">
-                <a:solidFill>
-                  <a:srgbClr val="007FA3"/>
-                </a:solidFill>
-              </a:rPr>
-              <a:t>Analyzing</a:t>
-            </a:r>
-            <a:r>
-              <a:rPr lang="en-IN" sz="2800" b="1" dirty="0">
-                <a:solidFill>
-                  <a:srgbClr val="007FA3"/>
-                </a:solidFill>
-              </a:rPr>
-              <a:t> Customer Churn in a Telecom Company Using Big Data Methods </a:t>
-            </a:r>
-            <a:endParaRPr lang="en-US" sz="2800" b="1" dirty="0"/>
-          </a:p>
-        </p:txBody>
-      </p:sp>
-      <p:sp>
-        <p:nvSpPr>
-          <p:cNvPr id="6" name="Content Placeholder 5"/>
-          <p:cNvSpPr>
-            <a:spLocks noGrp="1"/>
-          </p:cNvSpPr>
-          <p:nvPr>
-            <p:ph idx="13"/>
-          </p:nvPr>
-        </p:nvSpPr>
-        <p:spPr>
-          <a:xfrm>
-            <a:off x="457200" y="1771650"/>
-            <a:ext cx="8153400" cy="4154984"/>
-          </a:xfrm>
-        </p:spPr>
-        <p:txBody>
-          <a:bodyPr wrap="square">
-            <a:spAutoFit/>
-          </a:bodyPr>
-          <a:lstStyle/>
-          <a:p>
-            <a:pPr marL="0" indent="0">
-              <a:buSzPct val="100000"/>
-              <a:buNone/>
-            </a:pPr>
-            <a:r>
-              <a:rPr lang="en-US" sz="2200" b="1" dirty="0"/>
-              <a:t>Questions for the Opening Vignette:  </a:t>
-            </a:r>
-          </a:p>
-          <a:p>
-            <a:pPr marL="457200" indent="-457200">
-              <a:buFont typeface="+mj-lt"/>
-              <a:buAutoNum type="arabicPeriod"/>
-            </a:pPr>
-            <a:r>
-              <a:rPr lang="en-US" sz="2200" dirty="0"/>
-              <a:t>What problem did customer service cancellation pose to </a:t>
-            </a:r>
-            <a:r>
-              <a:rPr lang="en-US" sz="2200" spc="-300" dirty="0"/>
-              <a:t>A </a:t>
-            </a:r>
-            <a:r>
-              <a:rPr lang="en-US" sz="2200" dirty="0"/>
-              <a:t>T’s business survival?</a:t>
-            </a:r>
-          </a:p>
-          <a:p>
-            <a:pPr marL="457200" indent="-457200">
-              <a:buFont typeface="+mj-lt"/>
-              <a:buAutoNum type="arabicPeriod"/>
-            </a:pPr>
-            <a:r>
-              <a:rPr lang="en-US" sz="2200" dirty="0"/>
-              <a:t>Identify and explain the technical hurdles presented by the nature and characteristics of </a:t>
-            </a:r>
-            <a:r>
-              <a:rPr lang="en-US" sz="2200" spc="-300" dirty="0"/>
-              <a:t>A </a:t>
-            </a:r>
-            <a:r>
-              <a:rPr lang="en-US" sz="2200" dirty="0"/>
-              <a:t>T’s data.</a:t>
-            </a:r>
-          </a:p>
-          <a:p>
-            <a:pPr marL="457200" indent="-457200">
-              <a:buFont typeface="+mj-lt"/>
-              <a:buAutoNum type="arabicPeriod"/>
-            </a:pPr>
-            <a:r>
-              <a:rPr lang="en-US" sz="2200" dirty="0"/>
-              <a:t>What is </a:t>
-            </a:r>
-            <a:r>
-              <a:rPr lang="en-US" sz="2200" dirty="0" err="1"/>
-              <a:t>sessionizing</a:t>
-            </a:r>
-            <a:r>
-              <a:rPr lang="en-US" sz="2200" dirty="0"/>
-              <a:t>? Why was it necessary for </a:t>
-            </a:r>
-            <a:r>
-              <a:rPr lang="en-US" sz="2200" spc="-300" dirty="0"/>
-              <a:t>A </a:t>
-            </a:r>
-            <a:r>
-              <a:rPr lang="en-US" sz="2200" dirty="0"/>
-              <a:t>T to </a:t>
-            </a:r>
-            <a:r>
-              <a:rPr lang="en-US" sz="2200" dirty="0" err="1"/>
-              <a:t>sessionize</a:t>
-            </a:r>
-            <a:r>
-              <a:rPr lang="en-US" sz="2200" dirty="0"/>
-              <a:t> its data?</a:t>
-            </a:r>
-          </a:p>
-          <a:p>
-            <a:pPr marL="457200" indent="-457200">
-              <a:buFont typeface="+mj-lt"/>
-              <a:buAutoNum type="arabicPeriod"/>
-            </a:pPr>
-            <a:r>
-              <a:rPr lang="en-US" sz="2200" dirty="0"/>
-              <a:t>Research other studies where customer churn models have been employed. What types of variables were used in those studies? How is this vignette different?</a:t>
-            </a:r>
-          </a:p>
-        </p:txBody>
-      </p:sp>
-    </p:spTree>
-    <p:extLst>
-      <p:ext uri="{BB962C8B-B14F-4D97-AF65-F5344CB8AC3E}">
-        <p14:creationId xmlns:p14="http://schemas.microsoft.com/office/powerpoint/2010/main" val="1119369228"/>
-      </p:ext>
-    </p:extLst>
-  </p:cSld>
-  <p:clrMapOvr>
-    <a:masterClrMapping/>
-  </p:clrMapOvr>
-</p:sld>
-</file>
-
-<file path=ppt/slides/slide8.xml><?xml version="1.0" encoding="utf-8"?>
-<p:sld xmlns:a="http://schemas.openxmlformats.org/drawingml/2006/main" xmlns:r="http://schemas.openxmlformats.org/officeDocument/2006/relationships" xmlns:p="http://schemas.openxmlformats.org/presentationml/2006/main">
-  <p:cSld>
-    <p:spTree>
-      <p:nvGrpSpPr>
-        <p:cNvPr id="1" name=""/>
-        <p:cNvGrpSpPr/>
-        <p:nvPr/>
-      </p:nvGrpSpPr>
-      <p:grpSpPr>
-        <a:xfrm>
-          <a:off x="0" y="0"/>
-          <a:ext cx="0" cy="0"/>
-          <a:chOff x="0" y="0"/>
-          <a:chExt cx="0" cy="0"/>
-        </a:xfrm>
-      </p:grpSpPr>
-      <p:sp>
-        <p:nvSpPr>
-          <p:cNvPr id="2" name="Title 1"/>
-          <p:cNvSpPr>
-            <a:spLocks noGrp="1"/>
-          </p:cNvSpPr>
-          <p:nvPr>
-            <p:ph type="title"/>
-          </p:nvPr>
-        </p:nvSpPr>
-        <p:spPr>
-          <a:xfrm>
-            <a:off x="457200" y="70592"/>
-            <a:ext cx="8153400" cy="984885"/>
-          </a:xfrm>
-        </p:spPr>
-        <p:txBody>
-          <a:bodyPr wrap="square">
-            <a:spAutoFit/>
-          </a:bodyPr>
-          <a:lstStyle/>
-          <a:p>
-            <a:r>
-              <a:rPr lang="en-IN" sz="3600" dirty="0">
-                <a:latin typeface="+mj-lt"/>
-              </a:rPr>
-              <a:t>Big Data - Definition and Concepts    </a:t>
-            </a:r>
-            <a:r>
-              <a:rPr lang="en-IN" sz="2800" dirty="0">
-                <a:latin typeface="+mj-lt"/>
-              </a:rPr>
-              <a:t>(1 of 2)</a:t>
-            </a:r>
-            <a:endParaRPr lang="en-US" sz="3600" dirty="0">
-              <a:latin typeface="+mj-lt"/>
-            </a:endParaRPr>
-          </a:p>
-        </p:txBody>
-      </p:sp>
-      <p:sp>
-        <p:nvSpPr>
-          <p:cNvPr id="6" name="Content Placeholder 5"/>
-          <p:cNvSpPr>
-            <a:spLocks noGrp="1"/>
-          </p:cNvSpPr>
-          <p:nvPr>
-            <p:ph idx="13"/>
-          </p:nvPr>
-        </p:nvSpPr>
-        <p:spPr>
-          <a:xfrm>
-            <a:off x="457200" y="1368977"/>
-            <a:ext cx="8153400" cy="4921377"/>
-          </a:xfrm>
-        </p:spPr>
-        <p:txBody>
-          <a:bodyPr wrap="square">
-            <a:spAutoFit/>
-          </a:bodyPr>
-          <a:lstStyle/>
-          <a:p>
-            <a:pPr marL="266700" indent="-266700"/>
-            <a:r>
-              <a:rPr lang="en-US" sz="2400" dirty="0"/>
-              <a:t>Big Data means different things to people with different backgrounds and interests </a:t>
-            </a:r>
-          </a:p>
-          <a:p>
-            <a:pPr marL="266700" indent="-266700"/>
-            <a:r>
-              <a:rPr lang="en-US" sz="2400" dirty="0"/>
-              <a:t>Traditionally, “Big Data” = massive volumes of data </a:t>
-            </a:r>
-          </a:p>
-          <a:p>
-            <a:pPr marL="714375" lvl="1" indent="-266700" defTabSz="714375"/>
-            <a:r>
-              <a:rPr lang="en-US" sz="2400" dirty="0"/>
-              <a:t>E.g., volume of data at </a:t>
-            </a:r>
-            <a:r>
-              <a:rPr lang="en-US" sz="2400" spc="-300" dirty="0"/>
-              <a:t>C E R </a:t>
-            </a:r>
-            <a:r>
-              <a:rPr lang="en-US" sz="2400" dirty="0"/>
-              <a:t>N, </a:t>
-            </a:r>
-            <a:r>
-              <a:rPr lang="en-US" sz="2400" spc="-300" dirty="0"/>
-              <a:t>N A S </a:t>
-            </a:r>
-            <a:r>
-              <a:rPr lang="en-US" sz="2400" dirty="0"/>
-              <a:t>A, Google, …</a:t>
-            </a:r>
-          </a:p>
-          <a:p>
-            <a:pPr marL="266700" indent="-266700"/>
-            <a:r>
-              <a:rPr lang="en-US" sz="2400" dirty="0"/>
-              <a:t>Where does the Big Data come from?</a:t>
-            </a:r>
-          </a:p>
-          <a:p>
-            <a:pPr marL="714375" lvl="1" indent="-266700"/>
-            <a:r>
-              <a:rPr lang="en-US" sz="2400" dirty="0"/>
-              <a:t>Everywhere! Web logs, </a:t>
-            </a:r>
-            <a:r>
-              <a:rPr lang="en-US" sz="2400" spc="-300" dirty="0"/>
-              <a:t>R F I </a:t>
-            </a:r>
-            <a:r>
-              <a:rPr lang="en-US" sz="2400" dirty="0"/>
-              <a:t>D, </a:t>
-            </a:r>
-            <a:r>
-              <a:rPr lang="en-US" sz="2400" spc="-300" dirty="0"/>
-              <a:t>G P </a:t>
-            </a:r>
-            <a:r>
-              <a:rPr lang="en-US" sz="2400" dirty="0"/>
-              <a:t>S systems, sensor networks, social networks, Internet-based text documents, Internet search indexes, detail call records, astronomy, atmospheric science, biology, genomics, nuclear physics, biochemical experiments, medical records, scientific research, military surveillance, multimedia archives, …</a:t>
-            </a:r>
-          </a:p>
-        </p:txBody>
-      </p:sp>
-    </p:spTree>
-    <p:extLst>
-      <p:ext uri="{BB962C8B-B14F-4D97-AF65-F5344CB8AC3E}">
-        <p14:creationId xmlns:p14="http://schemas.microsoft.com/office/powerpoint/2010/main" val="1896948636"/>
-      </p:ext>
-    </p:extLst>
-  </p:cSld>
-  <p:clrMapOvr>
-    <a:masterClrMapping/>
-  </p:clrMapOvr>
-</p:sld>
-</file>
-
-<file path=ppt/slides/slide9.xml><?xml version="1.0" encoding="utf-8"?>
 <p:sld xmlns:a="http://schemas.openxmlformats.org/drawingml/2006/main" xmlns:r="http://schemas.openxmlformats.org/officeDocument/2006/relationships" xmlns:p="http://schemas.openxmlformats.org/presentationml/2006/main">
   <p:cSld>
     <p:spTree>
@@ -22986,6 +21019,695 @@
 </p:sld>
 </file>
 
+<file path=ppt/slides/slide6.xml><?xml version="1.0" encoding="utf-8"?>
+<p:sld xmlns:a="http://schemas.openxmlformats.org/drawingml/2006/main" xmlns:r="http://schemas.openxmlformats.org/officeDocument/2006/relationships" xmlns:p="http://schemas.openxmlformats.org/presentationml/2006/main">
+  <p:cSld>
+    <p:spTree>
+      <p:nvGrpSpPr>
+        <p:cNvPr id="1" name=""/>
+        <p:cNvGrpSpPr/>
+        <p:nvPr/>
+      </p:nvGrpSpPr>
+      <p:grpSpPr>
+        <a:xfrm>
+          <a:off x="0" y="0"/>
+          <a:ext cx="0" cy="0"/>
+          <a:chOff x="0" y="0"/>
+          <a:chExt cx="0" cy="0"/>
+        </a:xfrm>
+      </p:grpSpPr>
+      <p:sp>
+        <p:nvSpPr>
+          <p:cNvPr id="2" name="Title 1"/>
+          <p:cNvSpPr>
+            <a:spLocks noGrp="1"/>
+          </p:cNvSpPr>
+          <p:nvPr>
+            <p:ph type="title"/>
+          </p:nvPr>
+        </p:nvSpPr>
+        <p:spPr>
+          <a:xfrm>
+            <a:off x="457200" y="70592"/>
+            <a:ext cx="8153400" cy="984885"/>
+          </a:xfrm>
+        </p:spPr>
+        <p:txBody>
+          <a:bodyPr wrap="square">
+            <a:spAutoFit/>
+          </a:bodyPr>
+          <a:lstStyle/>
+          <a:p>
+            <a:r>
+              <a:rPr lang="en-IN" sz="3600" dirty="0">
+                <a:latin typeface="+mj-lt"/>
+              </a:rPr>
+              <a:t>Big Data - Definition and Concepts    </a:t>
+            </a:r>
+            <a:r>
+              <a:rPr lang="en-IN" sz="2800" dirty="0">
+                <a:latin typeface="+mj-lt"/>
+              </a:rPr>
+              <a:t>(2 of 2)</a:t>
+            </a:r>
+            <a:endParaRPr lang="en-US" sz="3600" dirty="0">
+              <a:latin typeface="+mj-lt"/>
+            </a:endParaRPr>
+          </a:p>
+        </p:txBody>
+      </p:sp>
+      <p:sp>
+        <p:nvSpPr>
+          <p:cNvPr id="6" name="Content Placeholder 5"/>
+          <p:cNvSpPr>
+            <a:spLocks noGrp="1"/>
+          </p:cNvSpPr>
+          <p:nvPr>
+            <p:ph idx="13"/>
+          </p:nvPr>
+        </p:nvSpPr>
+        <p:spPr>
+          <a:xfrm>
+            <a:off x="457200" y="1371600"/>
+            <a:ext cx="8153400" cy="4616648"/>
+          </a:xfrm>
+        </p:spPr>
+        <p:txBody>
+          <a:bodyPr wrap="square">
+            <a:spAutoFit/>
+          </a:bodyPr>
+          <a:lstStyle/>
+          <a:p>
+            <a:r>
+              <a:rPr lang="en-US" sz="2400" dirty="0"/>
+              <a:t>Big Data is a misnomer!</a:t>
+            </a:r>
+          </a:p>
+          <a:p>
+            <a:r>
+              <a:rPr lang="en-US" sz="2400" dirty="0"/>
+              <a:t>Big Data is more than just “big”</a:t>
+            </a:r>
+          </a:p>
+          <a:p>
+            <a:r>
+              <a:rPr lang="en-US" sz="2400" dirty="0"/>
+              <a:t>The </a:t>
+            </a:r>
+            <a:r>
+              <a:rPr lang="en-US" sz="2400" dirty="0" err="1"/>
+              <a:t>Vs</a:t>
+            </a:r>
+            <a:r>
+              <a:rPr lang="en-US" sz="2400" dirty="0"/>
+              <a:t> that define Big Data</a:t>
+            </a:r>
+          </a:p>
+          <a:p>
+            <a:pPr lvl="1">
+              <a:defRPr/>
+            </a:pPr>
+            <a:r>
+              <a:rPr lang="en-US" sz="2400" dirty="0">
+                <a:solidFill>
+                  <a:schemeClr val="bg2"/>
+                </a:solidFill>
+                <a:ea typeface="ヒラギノ角ゴ Pro W3" pitchFamily="-65" charset="-128"/>
+              </a:rPr>
+              <a:t>Volume</a:t>
+            </a:r>
+          </a:p>
+          <a:p>
+            <a:pPr lvl="1">
+              <a:defRPr/>
+            </a:pPr>
+            <a:r>
+              <a:rPr lang="en-US" sz="2400" dirty="0">
+                <a:solidFill>
+                  <a:schemeClr val="bg2"/>
+                </a:solidFill>
+                <a:ea typeface="ヒラギノ角ゴ Pro W3" pitchFamily="-65" charset="-128"/>
+              </a:rPr>
+              <a:t>Variety</a:t>
+            </a:r>
+          </a:p>
+          <a:p>
+            <a:pPr lvl="1">
+              <a:defRPr/>
+            </a:pPr>
+            <a:r>
+              <a:rPr lang="en-US" sz="2400" dirty="0">
+                <a:solidFill>
+                  <a:schemeClr val="bg2"/>
+                </a:solidFill>
+                <a:ea typeface="ヒラギノ角ゴ Pro W3" pitchFamily="-65" charset="-128"/>
+              </a:rPr>
+              <a:t>Velocity</a:t>
+            </a:r>
+          </a:p>
+          <a:p>
+            <a:pPr lvl="1">
+              <a:defRPr/>
+            </a:pPr>
+            <a:r>
+              <a:rPr lang="en-US" sz="2400" dirty="0">
+                <a:ea typeface="ヒラギノ角ゴ Pro W3" pitchFamily="-65" charset="-128"/>
+              </a:rPr>
+              <a:t>Veracity</a:t>
+            </a:r>
+          </a:p>
+          <a:p>
+            <a:pPr lvl="1">
+              <a:defRPr/>
+            </a:pPr>
+            <a:r>
+              <a:rPr lang="en-US" sz="2400" dirty="0">
+                <a:ea typeface="ヒラギノ角ゴ Pro W3" pitchFamily="-65" charset="-128"/>
+              </a:rPr>
+              <a:t>Variability</a:t>
+            </a:r>
+          </a:p>
+          <a:p>
+            <a:pPr lvl="1">
+              <a:defRPr/>
+            </a:pPr>
+            <a:r>
+              <a:rPr lang="en-US" sz="2400" dirty="0">
+                <a:ea typeface="ヒラギノ角ゴ Pro W3" pitchFamily="-65" charset="-128"/>
+              </a:rPr>
+              <a:t>Value</a:t>
+            </a:r>
+          </a:p>
+          <a:p>
+            <a:pPr lvl="1">
+              <a:defRPr/>
+            </a:pPr>
+            <a:r>
+              <a:rPr lang="en-US" sz="2400" dirty="0">
+                <a:ea typeface="ヒラギノ角ゴ Pro W3" pitchFamily="-65" charset="-128"/>
+              </a:rPr>
+              <a:t>…</a:t>
+            </a:r>
+          </a:p>
+        </p:txBody>
+      </p:sp>
+    </p:spTree>
+    <p:extLst>
+      <p:ext uri="{BB962C8B-B14F-4D97-AF65-F5344CB8AC3E}">
+        <p14:creationId xmlns:p14="http://schemas.microsoft.com/office/powerpoint/2010/main" val="1852689483"/>
+      </p:ext>
+    </p:extLst>
+  </p:cSld>
+  <p:clrMapOvr>
+    <a:masterClrMapping/>
+  </p:clrMapOvr>
+</p:sld>
+</file>
+
+<file path=ppt/slides/slide7.xml><?xml version="1.0" encoding="utf-8"?>
+<p:sld xmlns:a="http://schemas.openxmlformats.org/drawingml/2006/main" xmlns:r="http://schemas.openxmlformats.org/officeDocument/2006/relationships" xmlns:p="http://schemas.openxmlformats.org/presentationml/2006/main">
+  <p:cSld>
+    <p:spTree>
+      <p:nvGrpSpPr>
+        <p:cNvPr id="1" name=""/>
+        <p:cNvGrpSpPr/>
+        <p:nvPr/>
+      </p:nvGrpSpPr>
+      <p:grpSpPr>
+        <a:xfrm>
+          <a:off x="0" y="0"/>
+          <a:ext cx="0" cy="0"/>
+          <a:chOff x="0" y="0"/>
+          <a:chExt cx="0" cy="0"/>
+        </a:xfrm>
+      </p:grpSpPr>
+      <p:sp>
+        <p:nvSpPr>
+          <p:cNvPr id="2" name="Title 1"/>
+          <p:cNvSpPr>
+            <a:spLocks noGrp="1"/>
+          </p:cNvSpPr>
+          <p:nvPr>
+            <p:ph type="title"/>
+          </p:nvPr>
+        </p:nvSpPr>
+        <p:spPr>
+          <a:xfrm>
+            <a:off x="457200" y="57150"/>
+            <a:ext cx="8153400" cy="1661993"/>
+          </a:xfrm>
+        </p:spPr>
+        <p:txBody>
+          <a:bodyPr wrap="square">
+            <a:spAutoFit/>
+          </a:bodyPr>
+          <a:lstStyle/>
+          <a:p>
+            <a:r>
+              <a:rPr lang="en-IN" sz="3600" dirty="0">
+                <a:latin typeface="+mj-lt"/>
+              </a:rPr>
+              <a:t>A High-Level Conceptual Architecture for Big Data Solutions (by </a:t>
+            </a:r>
+            <a:r>
+              <a:rPr lang="en-IN" sz="3600" dirty="0" err="1">
+                <a:latin typeface="+mj-lt"/>
+              </a:rPr>
+              <a:t>AsterData</a:t>
+            </a:r>
+            <a:r>
+              <a:rPr lang="en-IN" sz="3600" dirty="0">
+                <a:latin typeface="+mj-lt"/>
+              </a:rPr>
+              <a:t> / Teradata)</a:t>
+            </a:r>
+            <a:endParaRPr lang="en-US" sz="3600" dirty="0">
+              <a:latin typeface="+mj-lt"/>
+            </a:endParaRPr>
+          </a:p>
+        </p:txBody>
+      </p:sp>
+      <p:sp>
+        <p:nvSpPr>
+          <p:cNvPr id="6" name="Content Placeholder 5"/>
+          <p:cNvSpPr>
+            <a:spLocks noGrp="1"/>
+          </p:cNvSpPr>
+          <p:nvPr>
+            <p:ph idx="13"/>
+          </p:nvPr>
+        </p:nvSpPr>
+        <p:spPr>
+          <a:xfrm>
+            <a:off x="457200" y="1828800"/>
+            <a:ext cx="8153400" cy="246221"/>
+          </a:xfrm>
+        </p:spPr>
+        <p:txBody>
+          <a:bodyPr wrap="square">
+            <a:spAutoFit/>
+          </a:bodyPr>
+          <a:lstStyle/>
+          <a:p>
+            <a:pPr marL="0" indent="0">
+              <a:buNone/>
+            </a:pPr>
+            <a:r>
+              <a:rPr lang="en-IN" b="1" dirty="0"/>
+              <a:t>Figure 9.3</a:t>
+            </a:r>
+            <a:r>
+              <a:rPr lang="en-IN" dirty="0"/>
+              <a:t> A High-Level Conceptual Architecture for Big Data Solutions.</a:t>
+            </a:r>
+          </a:p>
+        </p:txBody>
+      </p:sp>
+      <p:pic>
+        <p:nvPicPr>
+          <p:cNvPr id="7" name="Picture 2" descr="• A box at the top contains these words in a row from left to right: Move, Manage, Access. &#10;• A column on the left lists the sources as follows: &#10;• E R P&#10;• S C M&#10;• C R M&#10;• Images&#10;• Audio and Video&#10;• Machine Logs&#10;• Text&#10;• Web and Social&#10;• Arrows to the right lead to the middle section made up of 3 interconnected boxes. &#10;• A blue box titled Data Platform lists the following terms: &#10;• Fast Data Loading &amp; Availability&#10;• Filtering &amp; Processing&#10;• Data Management (data lake)&#10;• Deep History: Online Archival&#10;• A green box titled Integrated Data Warehouse lists the following terms:&#10;• Business Intelligence&#10;• Predictive Analytics&#10;• Operational Intelligence&#10;• A pink box titled Integrated Discovery Platform lists the following terms:&#10;• Data Discovery&#10;• Fast-Fail Hypothesis Testing&#10;• Path, Graph, Time-Series Analysis&#10;• Pattern Detection&#10;• Arrows to the right lead to a column that lists the analytic tools and apps as follows:&#10;• Marketing&#10;• Applications&#10;• Business Intelligence&#10;• Data Mining&#10;• Math and Stats&#10;• Languages&#10;• The column on the extreme right lists the users as follows:&#10;• Marketing Executives&#10;• Operational Systems&#10;• Customers Partners&#10;• Frontline Workers&#10;• Business Analysts&#10;• Data Scientists&#10;• Engineers"/>
+          <p:cNvPicPr>
+            <a:picLocks noChangeAspect="1" noChangeArrowheads="1"/>
+          </p:cNvPicPr>
+          <p:nvPr/>
+        </p:nvPicPr>
+        <p:blipFill rotWithShape="1">
+          <a:blip r:embed="rId3">
+            <a:extLst>
+              <a:ext uri="{28A0092B-C50C-407E-A947-70E740481C1C}">
+                <a14:useLocalDpi xmlns:a14="http://schemas.microsoft.com/office/drawing/2010/main" val="0"/>
+              </a:ext>
+            </a:extLst>
+          </a:blip>
+          <a:srcRect b="3513"/>
+          <a:stretch/>
+        </p:blipFill>
+        <p:spPr bwMode="auto">
+          <a:xfrm>
+            <a:off x="1742841" y="2142925"/>
+            <a:ext cx="5642731" cy="3854760"/>
+          </a:xfrm>
+          <a:prstGeom prst="rect">
+            <a:avLst/>
+          </a:prstGeom>
+          <a:noFill/>
+          <a:extLst>
+            <a:ext uri="{909E8E84-426E-40DD-AFC4-6F175D3DCCD1}">
+              <a14:hiddenFill xmlns:a14="http://schemas.microsoft.com/office/drawing/2010/main">
+                <a:solidFill>
+                  <a:srgbClr val="FFFFFF"/>
+                </a:solidFill>
+              </a14:hiddenFill>
+            </a:ext>
+          </a:extLst>
+        </p:spPr>
+      </p:pic>
+      <p:sp>
+        <p:nvSpPr>
+          <p:cNvPr id="4" name="Content Placeholder 3"/>
+          <p:cNvSpPr>
+            <a:spLocks noGrp="1"/>
+          </p:cNvSpPr>
+          <p:nvPr>
+            <p:ph idx="14"/>
+          </p:nvPr>
+        </p:nvSpPr>
+        <p:spPr>
+          <a:xfrm>
+            <a:off x="457200" y="6067425"/>
+            <a:ext cx="8153400" cy="246221"/>
+          </a:xfrm>
+        </p:spPr>
+        <p:txBody>
+          <a:bodyPr wrap="square">
+            <a:spAutoFit/>
+          </a:bodyPr>
+          <a:lstStyle/>
+          <a:p>
+            <a:pPr marL="0" indent="0">
+              <a:buNone/>
+            </a:pPr>
+            <a:r>
+              <a:rPr lang="en-IN" i="1" dirty="0"/>
+              <a:t>Source: </a:t>
+            </a:r>
+            <a:r>
+              <a:rPr lang="en-IN" dirty="0"/>
+              <a:t>Teradata Company.</a:t>
+            </a:r>
+          </a:p>
+        </p:txBody>
+      </p:sp>
+    </p:spTree>
+    <p:extLst>
+      <p:ext uri="{BB962C8B-B14F-4D97-AF65-F5344CB8AC3E}">
+        <p14:creationId xmlns:p14="http://schemas.microsoft.com/office/powerpoint/2010/main" val="11436757"/>
+      </p:ext>
+    </p:extLst>
+  </p:cSld>
+  <p:clrMapOvr>
+    <a:masterClrMapping/>
+  </p:clrMapOvr>
+</p:sld>
+</file>
+
+<file path=ppt/slides/slide8.xml><?xml version="1.0" encoding="utf-8"?>
+<p:sld xmlns:a="http://schemas.openxmlformats.org/drawingml/2006/main" xmlns:r="http://schemas.openxmlformats.org/officeDocument/2006/relationships" xmlns:p="http://schemas.openxmlformats.org/presentationml/2006/main">
+  <p:cSld>
+    <p:spTree>
+      <p:nvGrpSpPr>
+        <p:cNvPr id="1" name=""/>
+        <p:cNvGrpSpPr/>
+        <p:nvPr/>
+      </p:nvGrpSpPr>
+      <p:grpSpPr>
+        <a:xfrm>
+          <a:off x="0" y="0"/>
+          <a:ext cx="0" cy="0"/>
+          <a:chOff x="0" y="0"/>
+          <a:chExt cx="0" cy="0"/>
+        </a:xfrm>
+      </p:grpSpPr>
+      <p:sp>
+        <p:nvSpPr>
+          <p:cNvPr id="2" name="Title 1"/>
+          <p:cNvSpPr>
+            <a:spLocks noGrp="1"/>
+          </p:cNvSpPr>
+          <p:nvPr>
+            <p:ph type="title"/>
+          </p:nvPr>
+        </p:nvSpPr>
+        <p:spPr>
+          <a:xfrm>
+            <a:off x="457200" y="72854"/>
+            <a:ext cx="8153400" cy="553998"/>
+          </a:xfrm>
+        </p:spPr>
+        <p:txBody>
+          <a:bodyPr wrap="square">
+            <a:spAutoFit/>
+          </a:bodyPr>
+          <a:lstStyle/>
+          <a:p>
+            <a:r>
+              <a:rPr lang="en-IN" sz="3600" dirty="0">
+                <a:latin typeface="+mj-lt"/>
+              </a:rPr>
+              <a:t>Fundamentals of Big Data Analytics</a:t>
+            </a:r>
+            <a:endParaRPr lang="en-US" sz="3600" dirty="0">
+              <a:latin typeface="+mj-lt"/>
+            </a:endParaRPr>
+          </a:p>
+        </p:txBody>
+      </p:sp>
+      <p:sp>
+        <p:nvSpPr>
+          <p:cNvPr id="6" name="Content Placeholder 5"/>
+          <p:cNvSpPr>
+            <a:spLocks noGrp="1"/>
+          </p:cNvSpPr>
+          <p:nvPr>
+            <p:ph idx="13"/>
+          </p:nvPr>
+        </p:nvSpPr>
+        <p:spPr>
+          <a:xfrm>
+            <a:off x="447675" y="985629"/>
+            <a:ext cx="8162925" cy="3862596"/>
+          </a:xfrm>
+        </p:spPr>
+        <p:txBody>
+          <a:bodyPr wrap="square">
+            <a:spAutoFit/>
+          </a:bodyPr>
+          <a:lstStyle/>
+          <a:p>
+            <a:pPr>
+              <a:buSzPct val="100000"/>
+            </a:pPr>
+            <a:r>
+              <a:rPr lang="en-US" sz="2400" dirty="0"/>
+              <a:t>Big Data by itself, regardless of the size, type, or speed, is worthless</a:t>
+            </a:r>
+          </a:p>
+          <a:p>
+            <a:pPr>
+              <a:buSzPct val="100000"/>
+            </a:pPr>
+            <a:r>
+              <a:rPr lang="en-US" sz="2400" dirty="0"/>
+              <a:t>Big Data + “big” analytics = value</a:t>
+            </a:r>
+          </a:p>
+          <a:p>
+            <a:pPr>
+              <a:buSzPct val="100000"/>
+            </a:pPr>
+            <a:r>
+              <a:rPr lang="en-US" sz="2400" dirty="0"/>
+              <a:t>With the value proposition, Big Data also brought about big challenges</a:t>
+            </a:r>
+          </a:p>
+          <a:p>
+            <a:pPr lvl="1">
+              <a:defRPr/>
+            </a:pPr>
+            <a:r>
+              <a:rPr lang="en-US" sz="2400" dirty="0">
+                <a:ea typeface="ヒラギノ角ゴ Pro W3" pitchFamily="-65" charset="-128"/>
+              </a:rPr>
+              <a:t>Effectively and efficiently capturing, storing, and analyzing Big Data</a:t>
+            </a:r>
+          </a:p>
+          <a:p>
+            <a:pPr lvl="1">
+              <a:defRPr/>
+            </a:pPr>
+            <a:r>
+              <a:rPr lang="en-US" sz="2400" dirty="0">
+                <a:ea typeface="ヒラギノ角ゴ Pro W3" pitchFamily="-65" charset="-128"/>
+              </a:rPr>
+              <a:t>New breed of technologies needed (developed or purchased </a:t>
+            </a:r>
+            <a:r>
+              <a:rPr lang="en-US" sz="2400" dirty="0"/>
+              <a:t>or hired or outsourced …)</a:t>
+            </a:r>
+          </a:p>
+        </p:txBody>
+      </p:sp>
+    </p:spTree>
+    <p:extLst>
+      <p:ext uri="{BB962C8B-B14F-4D97-AF65-F5344CB8AC3E}">
+        <p14:creationId xmlns:p14="http://schemas.microsoft.com/office/powerpoint/2010/main" val="2046865285"/>
+      </p:ext>
+    </p:extLst>
+  </p:cSld>
+  <p:clrMapOvr>
+    <a:masterClrMapping/>
+  </p:clrMapOvr>
+</p:sld>
+</file>
+
+<file path=ppt/slides/slide9.xml><?xml version="1.0" encoding="utf-8"?>
+<p:sld xmlns:a="http://schemas.openxmlformats.org/drawingml/2006/main" xmlns:r="http://schemas.openxmlformats.org/officeDocument/2006/relationships" xmlns:p="http://schemas.openxmlformats.org/presentationml/2006/main">
+  <p:cSld>
+    <p:spTree>
+      <p:nvGrpSpPr>
+        <p:cNvPr id="1" name=""/>
+        <p:cNvGrpSpPr/>
+        <p:nvPr/>
+      </p:nvGrpSpPr>
+      <p:grpSpPr>
+        <a:xfrm>
+          <a:off x="0" y="0"/>
+          <a:ext cx="0" cy="0"/>
+          <a:chOff x="0" y="0"/>
+          <a:chExt cx="0" cy="0"/>
+        </a:xfrm>
+      </p:grpSpPr>
+      <p:sp>
+        <p:nvSpPr>
+          <p:cNvPr id="2" name="Title 1"/>
+          <p:cNvSpPr>
+            <a:spLocks noGrp="1"/>
+          </p:cNvSpPr>
+          <p:nvPr>
+            <p:ph type="title"/>
+          </p:nvPr>
+        </p:nvSpPr>
+        <p:spPr>
+          <a:xfrm>
+            <a:off x="457200" y="72854"/>
+            <a:ext cx="8153400" cy="553998"/>
+          </a:xfrm>
+        </p:spPr>
+        <p:txBody>
+          <a:bodyPr wrap="square">
+            <a:spAutoFit/>
+          </a:bodyPr>
+          <a:lstStyle/>
+          <a:p>
+            <a:r>
+              <a:rPr lang="en-IN" sz="3600" dirty="0">
+                <a:latin typeface="+mj-lt"/>
+              </a:rPr>
+              <a:t>Big Data Considerations</a:t>
+            </a:r>
+            <a:endParaRPr lang="en-US" sz="3600" dirty="0">
+              <a:latin typeface="+mj-lt"/>
+            </a:endParaRPr>
+          </a:p>
+        </p:txBody>
+      </p:sp>
+      <p:sp>
+        <p:nvSpPr>
+          <p:cNvPr id="6" name="Content Placeholder 5"/>
+          <p:cNvSpPr>
+            <a:spLocks noGrp="1"/>
+          </p:cNvSpPr>
+          <p:nvPr>
+            <p:ph idx="13"/>
+          </p:nvPr>
+        </p:nvSpPr>
+        <p:spPr>
+          <a:xfrm>
+            <a:off x="447675" y="993281"/>
+            <a:ext cx="8162925" cy="5024452"/>
+          </a:xfrm>
+        </p:spPr>
+        <p:txBody>
+          <a:bodyPr wrap="square">
+            <a:spAutoFit/>
+          </a:bodyPr>
+          <a:lstStyle/>
+          <a:p>
+            <a:pPr>
+              <a:buSzPct val="100000"/>
+            </a:pPr>
+            <a:r>
+              <a:rPr lang="en-US" sz="2200" dirty="0"/>
+              <a:t>You can’t process the amount of data that you want to because of the limitations of your current platform.</a:t>
+            </a:r>
+          </a:p>
+          <a:p>
+            <a:pPr>
+              <a:buSzPct val="100000"/>
+            </a:pPr>
+            <a:r>
+              <a:rPr lang="en-US" sz="2200" dirty="0"/>
+              <a:t>You can’t include new/contemporary data sources (e.g., social media, </a:t>
+            </a:r>
+            <a:r>
+              <a:rPr lang="en-US" sz="2200" spc="-300" dirty="0"/>
+              <a:t>R F I </a:t>
+            </a:r>
+            <a:r>
+              <a:rPr lang="en-US" sz="2200" dirty="0"/>
+              <a:t>D, Sensory, Web, </a:t>
+            </a:r>
+            <a:r>
+              <a:rPr lang="en-US" sz="2200" spc="-300" dirty="0"/>
+              <a:t>G P </a:t>
+            </a:r>
+            <a:r>
+              <a:rPr lang="en-US" sz="2200" dirty="0"/>
+              <a:t>S, textual data) because it does not comply with the data storage schema</a:t>
+            </a:r>
+          </a:p>
+          <a:p>
+            <a:pPr>
+              <a:buSzPct val="100000"/>
+            </a:pPr>
+            <a:r>
+              <a:rPr lang="en-US" sz="2200" dirty="0"/>
+              <a:t>You need to (or want to) integrate data as quickly as possible to be current on your analysis.</a:t>
+            </a:r>
+          </a:p>
+          <a:p>
+            <a:pPr>
+              <a:buSzPct val="100000"/>
+            </a:pPr>
+            <a:r>
+              <a:rPr lang="en-US" sz="2200" dirty="0"/>
+              <a:t>You want to work with a schema-on-demand data storage paradigm because the variety of data types involved.</a:t>
+            </a:r>
+          </a:p>
+          <a:p>
+            <a:pPr>
+              <a:buSzPct val="100000"/>
+            </a:pPr>
+            <a:r>
+              <a:rPr lang="en-US" sz="2200" dirty="0"/>
+              <a:t>The data is arriving so fast at your organization’s doorstep that your traditional analytics platform cannot handle it.</a:t>
+            </a:r>
+          </a:p>
+          <a:p>
+            <a:pPr>
+              <a:buSzPct val="100000"/>
+            </a:pPr>
+            <a:r>
+              <a:rPr lang="en-US" sz="2200" dirty="0"/>
+              <a:t>…</a:t>
+            </a:r>
+          </a:p>
+        </p:txBody>
+      </p:sp>
+    </p:spTree>
+    <p:extLst>
+      <p:ext uri="{BB962C8B-B14F-4D97-AF65-F5344CB8AC3E}">
+        <p14:creationId xmlns:p14="http://schemas.microsoft.com/office/powerpoint/2010/main" val="3702325584"/>
+      </p:ext>
+    </p:extLst>
+  </p:cSld>
+  <p:clrMapOvr>
+    <a:masterClrMapping/>
+  </p:clrMapOvr>
+</p:sld>
+</file>
+
 <file path=ppt/theme/theme1.xml><?xml version="1.0" encoding="utf-8"?>
 <a:theme xmlns:a="http://schemas.openxmlformats.org/drawingml/2006/main" name="508 Lecture">
   <a:themeElements>

--- a/Slides/Sharda_11e_full_accessible_ppt_09.pptx
+++ b/Slides/Sharda_11e_full_accessible_ppt_09.pptx
@@ -303,7 +303,7 @@
           <a:p>
             <a:fld id="{8D8D874E-E9D5-433B-A149-BDF6BFDD40A8}" type="datetimeFigureOut">
               <a:rPr lang="en-US" smtClean="0"/>
-              <a:t>12/20/21</a:t>
+              <a:t>12/21/21</a:t>
             </a:fld>
             <a:endParaRPr lang="en-US" dirty="0"/>
           </a:p>
@@ -468,7 +468,7 @@
           <a:p>
             <a:fld id="{EA051F04-9E25-42C3-8BC5-EC2E8469D95E}" type="datetimeFigureOut">
               <a:rPr lang="en-US" smtClean="0"/>
-              <a:t>12/20/21</a:t>
+              <a:t>12/21/21</a:t>
             </a:fld>
             <a:endParaRPr lang="en-US" dirty="0"/>
           </a:p>
@@ -4786,7 +4786,7 @@
           <a:p>
             <a:fld id="{A9DF6EFB-3F44-496C-A842-1E0B3D3B975A}" type="datetimeFigureOut">
               <a:rPr lang="en-US" smtClean="0"/>
-              <a:t>12/20/21</a:t>
+              <a:t>12/21/21</a:t>
             </a:fld>
             <a:endParaRPr lang="en-US" dirty="0"/>
           </a:p>
@@ -5154,7 +5154,7 @@
           <a:p>
             <a:fld id="{A9DF6EFB-3F44-496C-A842-1E0B3D3B975A}" type="datetimeFigureOut">
               <a:rPr lang="en-US" smtClean="0"/>
-              <a:t>12/20/21</a:t>
+              <a:t>12/21/21</a:t>
             </a:fld>
             <a:endParaRPr lang="en-US" dirty="0"/>
           </a:p>
@@ -5501,7 +5501,7 @@
           <a:p>
             <a:fld id="{A9DF6EFB-3F44-496C-A842-1E0B3D3B975A}" type="datetimeFigureOut">
               <a:rPr lang="en-US" smtClean="0"/>
-              <a:t>12/20/21</a:t>
+              <a:t>12/21/21</a:t>
             </a:fld>
             <a:endParaRPr lang="en-US" dirty="0"/>
           </a:p>
@@ -5844,7 +5844,7 @@
           <a:p>
             <a:fld id="{A9DF6EFB-3F44-496C-A842-1E0B3D3B975A}" type="datetimeFigureOut">
               <a:rPr lang="en-US" smtClean="0"/>
-              <a:t>12/20/21</a:t>
+              <a:t>12/21/21</a:t>
             </a:fld>
             <a:endParaRPr lang="en-US" dirty="0"/>
           </a:p>
@@ -5966,7 +5966,7 @@
           <a:p>
             <a:fld id="{A9DF6EFB-3F44-496C-A842-1E0B3D3B975A}" type="datetimeFigureOut">
               <a:rPr lang="en-US" smtClean="0"/>
-              <a:t>12/20/21</a:t>
+              <a:t>12/21/21</a:t>
             </a:fld>
             <a:endParaRPr lang="en-US" dirty="0"/>
           </a:p>
@@ -6075,7 +6075,7 @@
             <a:fld id="{A9DF6EFB-3F44-496C-A842-1E0B3D3B975A}" type="datetimeFigureOut">
               <a:rPr lang="en-US" smtClean="0"/>
               <a:pPr/>
-              <a:t>12/20/21</a:t>
+              <a:t>12/21/21</a:t>
             </a:fld>
             <a:endParaRPr lang="en-US" dirty="0"/>
           </a:p>
@@ -7071,7 +7071,7 @@
             <a:fld id="{A9DF6EFB-3F44-496C-A842-1E0B3D3B975A}" type="datetimeFigureOut">
               <a:rPr lang="en-US" smtClean="0"/>
               <a:pPr/>
-              <a:t>12/20/21</a:t>
+              <a:t>12/21/21</a:t>
             </a:fld>
             <a:endParaRPr lang="en-US" dirty="0"/>
           </a:p>
@@ -7460,7 +7460,7 @@
             <a:fld id="{A9DF6EFB-3F44-496C-A842-1E0B3D3B975A}" type="datetimeFigureOut">
               <a:rPr lang="en-US" smtClean="0"/>
               <a:pPr/>
-              <a:t>12/20/21</a:t>
+              <a:t>12/21/21</a:t>
             </a:fld>
             <a:endParaRPr lang="en-US" dirty="0"/>
           </a:p>
@@ -7730,7 +7730,7 @@
             <a:fld id="{A9DF6EFB-3F44-496C-A842-1E0B3D3B975A}" type="datetimeFigureOut">
               <a:rPr lang="en-US" smtClean="0"/>
               <a:pPr/>
-              <a:t>12/20/21</a:t>
+              <a:t>12/21/21</a:t>
             </a:fld>
             <a:endParaRPr lang="en-US" dirty="0"/>
           </a:p>
@@ -7993,7 +7993,7 @@
           <a:p>
             <a:fld id="{A9DF6EFB-3F44-496C-A842-1E0B3D3B975A}" type="datetimeFigureOut">
               <a:rPr lang="en-US" smtClean="0"/>
-              <a:t>12/20/21</a:t>
+              <a:t>12/21/21</a:t>
             </a:fld>
             <a:endParaRPr lang="en-US" dirty="0"/>
           </a:p>
@@ -8229,7 +8229,7 @@
             <a:fld id="{A9DF6EFB-3F44-496C-A842-1E0B3D3B975A}" type="datetimeFigureOut">
               <a:rPr lang="en-US" smtClean="0"/>
               <a:pPr/>
-              <a:t>12/20/21</a:t>
+              <a:t>12/21/21</a:t>
             </a:fld>
             <a:endParaRPr lang="en-US" dirty="0"/>
           </a:p>
@@ -8606,7 +8606,7 @@
           <a:p>
             <a:fld id="{A9DF6EFB-3F44-496C-A842-1E0B3D3B975A}" type="datetimeFigureOut">
               <a:rPr lang="en-US" smtClean="0"/>
-              <a:t>12/20/21</a:t>
+              <a:t>12/21/21</a:t>
             </a:fld>
             <a:endParaRPr lang="en-US" dirty="0"/>
           </a:p>
@@ -9232,7 +9232,7 @@
           <a:p>
             <a:fld id="{A9DF6EFB-3F44-496C-A842-1E0B3D3B975A}" type="datetimeFigureOut">
               <a:rPr lang="en-US" smtClean="0"/>
-              <a:t>12/20/21</a:t>
+              <a:t>12/21/21</a:t>
             </a:fld>
             <a:endParaRPr lang="en-US" dirty="0"/>
           </a:p>
@@ -10362,7 +10362,7 @@
           <a:p>
             <a:fld id="{A9DF6EFB-3F44-496C-A842-1E0B3D3B975A}" type="datetimeFigureOut">
               <a:rPr lang="en-US" smtClean="0"/>
-              <a:t>12/20/21</a:t>
+              <a:t>12/21/21</a:t>
             </a:fld>
             <a:endParaRPr lang="en-US" dirty="0"/>
           </a:p>
@@ -10623,7 +10623,7 @@
             <a:fld id="{A9DF6EFB-3F44-496C-A842-1E0B3D3B975A}" type="datetimeFigureOut">
               <a:rPr lang="en-US" smtClean="0"/>
               <a:pPr/>
-              <a:t>12/20/21</a:t>
+              <a:t>12/21/21</a:t>
             </a:fld>
             <a:endParaRPr lang="en-US" dirty="0"/>
           </a:p>
@@ -16760,7 +16760,7 @@
             </a:pPr>
             <a:r>
               <a:rPr lang="en-US" sz="2400" dirty="0"/>
-              <a:t>Cloud computing – polling resources </a:t>
+              <a:t>Cloud computing – pooling resources </a:t>
             </a:r>
           </a:p>
           <a:p>
